--- a/6.Crypto/Cryptology2-Classic-Modular-Arith.pptx
+++ b/6.Crypto/Cryptology2-Classic-Modular-Arith.pptx
@@ -213,7 +213,7 @@
           <a:p>
             <a:fld id="{5E632E0F-5501-4F2B-B5AE-AC9FF1DEB234}" type="datetimeFigureOut">
               <a:rPr lang="en-US" smtClean="0"/>
-              <a:t>11/25/2020</a:t>
+              <a:t>1/25/2022</a:t>
             </a:fld>
             <a:endParaRPr lang="en-US"/>
           </a:p>
@@ -3259,7 +3259,7 @@
           <a:p>
             <a:fld id="{1E435803-0E45-435F-A285-8660CEC62D1A}" type="datetimeFigureOut">
               <a:rPr lang="en-US" smtClean="0"/>
-              <a:t>11/25/2020</a:t>
+              <a:t>1/25/2022</a:t>
             </a:fld>
             <a:endParaRPr lang="en-US"/>
           </a:p>
@@ -3457,7 +3457,7 @@
           <a:p>
             <a:fld id="{1E435803-0E45-435F-A285-8660CEC62D1A}" type="datetimeFigureOut">
               <a:rPr lang="en-US" smtClean="0"/>
-              <a:t>11/25/2020</a:t>
+              <a:t>1/25/2022</a:t>
             </a:fld>
             <a:endParaRPr lang="en-US"/>
           </a:p>
@@ -3665,7 +3665,7 @@
           <a:p>
             <a:fld id="{1E435803-0E45-435F-A285-8660CEC62D1A}" type="datetimeFigureOut">
               <a:rPr lang="en-US" smtClean="0"/>
-              <a:t>11/25/2020</a:t>
+              <a:t>1/25/2022</a:t>
             </a:fld>
             <a:endParaRPr lang="en-US"/>
           </a:p>
@@ -3863,7 +3863,7 @@
           <a:p>
             <a:fld id="{1E435803-0E45-435F-A285-8660CEC62D1A}" type="datetimeFigureOut">
               <a:rPr lang="en-US" smtClean="0"/>
-              <a:t>11/25/2020</a:t>
+              <a:t>1/25/2022</a:t>
             </a:fld>
             <a:endParaRPr lang="en-US"/>
           </a:p>
@@ -4138,7 +4138,7 @@
           <a:p>
             <a:fld id="{1E435803-0E45-435F-A285-8660CEC62D1A}" type="datetimeFigureOut">
               <a:rPr lang="en-US" smtClean="0"/>
-              <a:t>11/25/2020</a:t>
+              <a:t>1/25/2022</a:t>
             </a:fld>
             <a:endParaRPr lang="en-US"/>
           </a:p>
@@ -4403,7 +4403,7 @@
           <a:p>
             <a:fld id="{1E435803-0E45-435F-A285-8660CEC62D1A}" type="datetimeFigureOut">
               <a:rPr lang="en-US" smtClean="0"/>
-              <a:t>11/25/2020</a:t>
+              <a:t>1/25/2022</a:t>
             </a:fld>
             <a:endParaRPr lang="en-US"/>
           </a:p>
@@ -4815,7 +4815,7 @@
           <a:p>
             <a:fld id="{1E435803-0E45-435F-A285-8660CEC62D1A}" type="datetimeFigureOut">
               <a:rPr lang="en-US" smtClean="0"/>
-              <a:t>11/25/2020</a:t>
+              <a:t>1/25/2022</a:t>
             </a:fld>
             <a:endParaRPr lang="en-US"/>
           </a:p>
@@ -4956,7 +4956,7 @@
           <a:p>
             <a:fld id="{1E435803-0E45-435F-A285-8660CEC62D1A}" type="datetimeFigureOut">
               <a:rPr lang="en-US" smtClean="0"/>
-              <a:t>11/25/2020</a:t>
+              <a:t>1/25/2022</a:t>
             </a:fld>
             <a:endParaRPr lang="en-US"/>
           </a:p>
@@ -5069,7 +5069,7 @@
           <a:p>
             <a:fld id="{1E435803-0E45-435F-A285-8660CEC62D1A}" type="datetimeFigureOut">
               <a:rPr lang="en-US" smtClean="0"/>
-              <a:t>11/25/2020</a:t>
+              <a:t>1/25/2022</a:t>
             </a:fld>
             <a:endParaRPr lang="en-US"/>
           </a:p>
@@ -5380,7 +5380,7 @@
           <a:p>
             <a:fld id="{1E435803-0E45-435F-A285-8660CEC62D1A}" type="datetimeFigureOut">
               <a:rPr lang="en-US" smtClean="0"/>
-              <a:t>11/25/2020</a:t>
+              <a:t>1/25/2022</a:t>
             </a:fld>
             <a:endParaRPr lang="en-US"/>
           </a:p>
@@ -5668,7 +5668,7 @@
           <a:p>
             <a:fld id="{1E435803-0E45-435F-A285-8660CEC62D1A}" type="datetimeFigureOut">
               <a:rPr lang="en-US" smtClean="0"/>
-              <a:t>11/25/2020</a:t>
+              <a:t>1/25/2022</a:t>
             </a:fld>
             <a:endParaRPr lang="en-US"/>
           </a:p>
@@ -5909,7 +5909,7 @@
           <a:p>
             <a:fld id="{1E435803-0E45-435F-A285-8660CEC62D1A}" type="datetimeFigureOut">
               <a:rPr lang="en-US" smtClean="0"/>
-              <a:t>11/25/2020</a:t>
+              <a:t>1/25/2022</a:t>
             </a:fld>
             <a:endParaRPr lang="en-US"/>
           </a:p>
@@ -6935,8 +6935,8 @@
           </a:p>
         </p:txBody>
       </p:sp>
-      <mc:AlternateContent xmlns:mc="http://schemas.openxmlformats.org/markup-compatibility/2006">
-        <mc:Choice xmlns:a14="http://schemas.microsoft.com/office/drawing/2010/main" Requires="a14">
+      <mc:AlternateContent xmlns:mc="http://schemas.openxmlformats.org/markup-compatibility/2006" xmlns:a14="http://schemas.microsoft.com/office/drawing/2010/main">
+        <mc:Choice Requires="a14">
           <p:sp>
             <p:nvSpPr>
               <p:cNvPr id="3" name="Content Placeholder 2">
@@ -7068,7 +7068,7 @@
             </p:txBody>
           </p:sp>
         </mc:Choice>
-        <mc:Fallback>
+        <mc:Fallback xmlns="">
           <p:sp>
             <p:nvSpPr>
               <p:cNvPr id="3" name="Content Placeholder 2">
@@ -8021,36 +8021,6 @@
           </a:p>
         </p:txBody>
       </p:sp>
-      <p:pic>
-        <p:nvPicPr>
-          <p:cNvPr id="4" name="Picture 3">
-            <a:extLst>
-              <a:ext uri="{FF2B5EF4-FFF2-40B4-BE49-F238E27FC236}">
-                <a16:creationId xmlns:a16="http://schemas.microsoft.com/office/drawing/2014/main" id="{70740578-71C6-416B-95A8-1D68A3656EEC}"/>
-              </a:ext>
-            </a:extLst>
-          </p:cNvPr>
-          <p:cNvPicPr>
-            <a:picLocks noChangeAspect="1"/>
-          </p:cNvPicPr>
-          <p:nvPr/>
-        </p:nvPicPr>
-        <p:blipFill>
-          <a:blip r:embed="rId3"/>
-          <a:stretch>
-            <a:fillRect/>
-          </a:stretch>
-        </p:blipFill>
-        <p:spPr>
-          <a:xfrm>
-            <a:off x="701340" y="2358189"/>
-            <a:ext cx="10789319" cy="1431758"/>
-          </a:xfrm>
-          <a:prstGeom prst="rect">
-            <a:avLst/>
-          </a:prstGeom>
-        </p:spPr>
-      </p:pic>
       <p:sp>
         <p:nvSpPr>
           <p:cNvPr id="6" name="Content Placeholder 2">
@@ -8285,7 +8255,7 @@
           <p:nvPr/>
         </p:nvPicPr>
         <p:blipFill>
-          <a:blip r:embed="rId4"/>
+          <a:blip r:embed="rId3"/>
           <a:stretch>
             <a:fillRect/>
           </a:stretch>
@@ -8294,6 +8264,36 @@
           <a:xfrm>
             <a:off x="3990472" y="4033169"/>
             <a:ext cx="7036961" cy="2567991"/>
+          </a:xfrm>
+          <a:prstGeom prst="rect">
+            <a:avLst/>
+          </a:prstGeom>
+        </p:spPr>
+      </p:pic>
+      <p:pic>
+        <p:nvPicPr>
+          <p:cNvPr id="9" name="Picture 8">
+            <a:extLst>
+              <a:ext uri="{FF2B5EF4-FFF2-40B4-BE49-F238E27FC236}">
+                <a16:creationId xmlns:a16="http://schemas.microsoft.com/office/drawing/2014/main" id="{792B5F76-301A-46D0-ACAC-5578E7865D26}"/>
+              </a:ext>
+            </a:extLst>
+          </p:cNvPr>
+          <p:cNvPicPr>
+            <a:picLocks noChangeAspect="1"/>
+          </p:cNvPicPr>
+          <p:nvPr/>
+        </p:nvPicPr>
+        <p:blipFill>
+          <a:blip r:embed="rId4"/>
+          <a:stretch>
+            <a:fillRect/>
+          </a:stretch>
+        </p:blipFill>
+        <p:spPr>
+          <a:xfrm>
+            <a:off x="418011" y="2350669"/>
+            <a:ext cx="10724606" cy="1113485"/>
           </a:xfrm>
           <a:prstGeom prst="rect">
             <a:avLst/>

--- a/6.Crypto/Cryptology2-Classic-Modular-Arith.pptx
+++ b/6.Crypto/Cryptology2-Classic-Modular-Arith.pptx
@@ -5,23 +5,24 @@
     <p:sldMasterId id="2147483648" r:id="rId1"/>
   </p:sldMasterIdLst>
   <p:notesMasterIdLst>
-    <p:notesMasterId r:id="rId16"/>
+    <p:notesMasterId r:id="rId17"/>
   </p:notesMasterIdLst>
   <p:sldIdLst>
     <p:sldId id="256" r:id="rId2"/>
     <p:sldId id="258" r:id="rId3"/>
-    <p:sldId id="260" r:id="rId4"/>
-    <p:sldId id="261" r:id="rId5"/>
-    <p:sldId id="262" r:id="rId6"/>
-    <p:sldId id="263" r:id="rId7"/>
-    <p:sldId id="265" r:id="rId8"/>
-    <p:sldId id="264" r:id="rId9"/>
-    <p:sldId id="274" r:id="rId10"/>
-    <p:sldId id="266" r:id="rId11"/>
-    <p:sldId id="270" r:id="rId12"/>
-    <p:sldId id="272" r:id="rId13"/>
-    <p:sldId id="273" r:id="rId14"/>
-    <p:sldId id="269" r:id="rId15"/>
+    <p:sldId id="275" r:id="rId4"/>
+    <p:sldId id="260" r:id="rId5"/>
+    <p:sldId id="261" r:id="rId6"/>
+    <p:sldId id="262" r:id="rId7"/>
+    <p:sldId id="263" r:id="rId8"/>
+    <p:sldId id="265" r:id="rId9"/>
+    <p:sldId id="264" r:id="rId10"/>
+    <p:sldId id="274" r:id="rId11"/>
+    <p:sldId id="266" r:id="rId12"/>
+    <p:sldId id="270" r:id="rId13"/>
+    <p:sldId id="272" r:id="rId14"/>
+    <p:sldId id="273" r:id="rId15"/>
+    <p:sldId id="269" r:id="rId16"/>
   </p:sldIdLst>
   <p:sldSz cx="12192000" cy="6858000"/>
   <p:notesSz cx="6858000" cy="9144000"/>
@@ -213,7 +214,7 @@
           <a:p>
             <a:fld id="{5E632E0F-5501-4F2B-B5AE-AC9FF1DEB234}" type="datetimeFigureOut">
               <a:rPr lang="en-US" smtClean="0"/>
-              <a:t>1/25/2022</a:t>
+              <a:t>11/1/2022</a:t>
             </a:fld>
             <a:endParaRPr lang="en-US"/>
           </a:p>
@@ -777,7 +778,7 @@
           <a:p>
             <a:fld id="{5CEE4049-D197-4118-BF97-B2C042C8F06E}" type="slidenum">
               <a:rPr lang="en-US" smtClean="0"/>
-              <a:t>10</a:t>
+              <a:t>11</a:t>
             </a:fld>
             <a:endParaRPr lang="en-US"/>
           </a:p>
@@ -879,7 +880,7 @@
           <a:p>
             <a:fld id="{5CEE4049-D197-4118-BF97-B2C042C8F06E}" type="slidenum">
               <a:rPr lang="en-US" smtClean="0"/>
-              <a:t>11</a:t>
+              <a:t>12</a:t>
             </a:fld>
             <a:endParaRPr lang="en-US"/>
           </a:p>
@@ -1114,7 +1115,7 @@
           <a:p>
             <a:fld id="{5CEE4049-D197-4118-BF97-B2C042C8F06E}" type="slidenum">
               <a:rPr lang="en-US" smtClean="0"/>
-              <a:t>12</a:t>
+              <a:t>13</a:t>
             </a:fld>
             <a:endParaRPr lang="en-US"/>
           </a:p>
@@ -1439,7 +1440,7 @@
           <a:p>
             <a:fld id="{5CEE4049-D197-4118-BF97-B2C042C8F06E}" type="slidenum">
               <a:rPr lang="en-US" smtClean="0"/>
-              <a:t>13</a:t>
+              <a:t>14</a:t>
             </a:fld>
             <a:endParaRPr lang="en-US"/>
           </a:p>
@@ -1824,7 +1825,7 @@
           <a:p>
             <a:fld id="{5CEE4049-D197-4118-BF97-B2C042C8F06E}" type="slidenum">
               <a:rPr lang="en-US" smtClean="0"/>
-              <a:t>14</a:t>
+              <a:t>15</a:t>
             </a:fld>
             <a:endParaRPr lang="en-US"/>
           </a:p>
@@ -2094,7 +2095,7 @@
           <a:p>
             <a:fld id="{5CEE4049-D197-4118-BF97-B2C042C8F06E}" type="slidenum">
               <a:rPr lang="en-US" smtClean="0"/>
-              <a:t>3</a:t>
+              <a:t>4</a:t>
             </a:fld>
             <a:endParaRPr lang="en-US"/>
           </a:p>
@@ -2285,7 +2286,7 @@
           <a:p>
             <a:fld id="{5CEE4049-D197-4118-BF97-B2C042C8F06E}" type="slidenum">
               <a:rPr lang="en-US" smtClean="0"/>
-              <a:t>4</a:t>
+              <a:t>5</a:t>
             </a:fld>
             <a:endParaRPr lang="en-US"/>
           </a:p>
@@ -2471,7 +2472,7 @@
           <a:p>
             <a:fld id="{5CEE4049-D197-4118-BF97-B2C042C8F06E}" type="slidenum">
               <a:rPr lang="en-US" smtClean="0"/>
-              <a:t>5</a:t>
+              <a:t>6</a:t>
             </a:fld>
             <a:endParaRPr lang="en-US"/>
           </a:p>
@@ -2689,7 +2690,7 @@
           <a:p>
             <a:fld id="{5CEE4049-D197-4118-BF97-B2C042C8F06E}" type="slidenum">
               <a:rPr lang="en-US" smtClean="0"/>
-              <a:t>6</a:t>
+              <a:t>7</a:t>
             </a:fld>
             <a:endParaRPr lang="en-US"/>
           </a:p>
@@ -2887,7 +2888,7 @@
           <a:p>
             <a:fld id="{5CEE4049-D197-4118-BF97-B2C042C8F06E}" type="slidenum">
               <a:rPr lang="en-US" smtClean="0"/>
-              <a:t>7</a:t>
+              <a:t>8</a:t>
             </a:fld>
             <a:endParaRPr lang="en-US"/>
           </a:p>
@@ -3009,7 +3010,7 @@
           <a:p>
             <a:fld id="{5CEE4049-D197-4118-BF97-B2C042C8F06E}" type="slidenum">
               <a:rPr lang="en-US" smtClean="0"/>
-              <a:t>8</a:t>
+              <a:t>9</a:t>
             </a:fld>
             <a:endParaRPr lang="en-US"/>
           </a:p>
@@ -3093,7 +3094,7 @@
           <a:p>
             <a:fld id="{5CEE4049-D197-4118-BF97-B2C042C8F06E}" type="slidenum">
               <a:rPr lang="en-US" smtClean="0"/>
-              <a:t>9</a:t>
+              <a:t>10</a:t>
             </a:fld>
             <a:endParaRPr lang="en-US"/>
           </a:p>
@@ -3259,7 +3260,7 @@
           <a:p>
             <a:fld id="{1E435803-0E45-435F-A285-8660CEC62D1A}" type="datetimeFigureOut">
               <a:rPr lang="en-US" smtClean="0"/>
-              <a:t>1/25/2022</a:t>
+              <a:t>11/1/2022</a:t>
             </a:fld>
             <a:endParaRPr lang="en-US"/>
           </a:p>
@@ -3457,7 +3458,7 @@
           <a:p>
             <a:fld id="{1E435803-0E45-435F-A285-8660CEC62D1A}" type="datetimeFigureOut">
               <a:rPr lang="en-US" smtClean="0"/>
-              <a:t>1/25/2022</a:t>
+              <a:t>11/1/2022</a:t>
             </a:fld>
             <a:endParaRPr lang="en-US"/>
           </a:p>
@@ -3665,7 +3666,7 @@
           <a:p>
             <a:fld id="{1E435803-0E45-435F-A285-8660CEC62D1A}" type="datetimeFigureOut">
               <a:rPr lang="en-US" smtClean="0"/>
-              <a:t>1/25/2022</a:t>
+              <a:t>11/1/2022</a:t>
             </a:fld>
             <a:endParaRPr lang="en-US"/>
           </a:p>
@@ -3863,7 +3864,7 @@
           <a:p>
             <a:fld id="{1E435803-0E45-435F-A285-8660CEC62D1A}" type="datetimeFigureOut">
               <a:rPr lang="en-US" smtClean="0"/>
-              <a:t>1/25/2022</a:t>
+              <a:t>11/1/2022</a:t>
             </a:fld>
             <a:endParaRPr lang="en-US"/>
           </a:p>
@@ -4138,7 +4139,7 @@
           <a:p>
             <a:fld id="{1E435803-0E45-435F-A285-8660CEC62D1A}" type="datetimeFigureOut">
               <a:rPr lang="en-US" smtClean="0"/>
-              <a:t>1/25/2022</a:t>
+              <a:t>11/1/2022</a:t>
             </a:fld>
             <a:endParaRPr lang="en-US"/>
           </a:p>
@@ -4403,7 +4404,7 @@
           <a:p>
             <a:fld id="{1E435803-0E45-435F-A285-8660CEC62D1A}" type="datetimeFigureOut">
               <a:rPr lang="en-US" smtClean="0"/>
-              <a:t>1/25/2022</a:t>
+              <a:t>11/1/2022</a:t>
             </a:fld>
             <a:endParaRPr lang="en-US"/>
           </a:p>
@@ -4815,7 +4816,7 @@
           <a:p>
             <a:fld id="{1E435803-0E45-435F-A285-8660CEC62D1A}" type="datetimeFigureOut">
               <a:rPr lang="en-US" smtClean="0"/>
-              <a:t>1/25/2022</a:t>
+              <a:t>11/1/2022</a:t>
             </a:fld>
             <a:endParaRPr lang="en-US"/>
           </a:p>
@@ -4956,7 +4957,7 @@
           <a:p>
             <a:fld id="{1E435803-0E45-435F-A285-8660CEC62D1A}" type="datetimeFigureOut">
               <a:rPr lang="en-US" smtClean="0"/>
-              <a:t>1/25/2022</a:t>
+              <a:t>11/1/2022</a:t>
             </a:fld>
             <a:endParaRPr lang="en-US"/>
           </a:p>
@@ -5069,7 +5070,7 @@
           <a:p>
             <a:fld id="{1E435803-0E45-435F-A285-8660CEC62D1A}" type="datetimeFigureOut">
               <a:rPr lang="en-US" smtClean="0"/>
-              <a:t>1/25/2022</a:t>
+              <a:t>11/1/2022</a:t>
             </a:fld>
             <a:endParaRPr lang="en-US"/>
           </a:p>
@@ -5380,7 +5381,7 @@
           <a:p>
             <a:fld id="{1E435803-0E45-435F-A285-8660CEC62D1A}" type="datetimeFigureOut">
               <a:rPr lang="en-US" smtClean="0"/>
-              <a:t>1/25/2022</a:t>
+              <a:t>11/1/2022</a:t>
             </a:fld>
             <a:endParaRPr lang="en-US"/>
           </a:p>
@@ -5668,7 +5669,7 @@
           <a:p>
             <a:fld id="{1E435803-0E45-435F-A285-8660CEC62D1A}" type="datetimeFigureOut">
               <a:rPr lang="en-US" smtClean="0"/>
-              <a:t>1/25/2022</a:t>
+              <a:t>11/1/2022</a:t>
             </a:fld>
             <a:endParaRPr lang="en-US"/>
           </a:p>
@@ -5909,7 +5910,7 @@
           <a:p>
             <a:fld id="{1E435803-0E45-435F-A285-8660CEC62D1A}" type="datetimeFigureOut">
               <a:rPr lang="en-US" smtClean="0"/>
-              <a:t>1/25/2022</a:t>
+              <a:t>11/1/2022</a:t>
             </a:fld>
             <a:endParaRPr lang="en-US"/>
           </a:p>
@@ -6453,6 +6454,188 @@
           <p:cNvPr id="2" name="Title 1">
             <a:extLst>
               <a:ext uri="{FF2B5EF4-FFF2-40B4-BE49-F238E27FC236}">
+                <a16:creationId xmlns:a16="http://schemas.microsoft.com/office/drawing/2014/main" id="{E80E4EF2-19B2-4BFC-836B-1FDB1EADD572}"/>
+              </a:ext>
+            </a:extLst>
+          </p:cNvPr>
+          <p:cNvSpPr>
+            <a:spLocks noGrp="1"/>
+          </p:cNvSpPr>
+          <p:nvPr>
+            <p:ph type="title"/>
+          </p:nvPr>
+        </p:nvSpPr>
+        <p:spPr/>
+        <p:txBody>
+          <a:bodyPr/>
+          <a:lstStyle/>
+          <a:p>
+            <a:r>
+              <a:rPr lang="en-US" dirty="0"/>
+              <a:t>Key Point—Multiplicative Inverse</a:t>
+            </a:r>
+          </a:p>
+        </p:txBody>
+      </p:sp>
+      <p:sp>
+        <p:nvSpPr>
+          <p:cNvPr id="3" name="Content Placeholder 2">
+            <a:extLst>
+              <a:ext uri="{FF2B5EF4-FFF2-40B4-BE49-F238E27FC236}">
+                <a16:creationId xmlns:a16="http://schemas.microsoft.com/office/drawing/2014/main" id="{355FF732-4B65-47AC-8DAD-7C66AF1E90F5}"/>
+              </a:ext>
+            </a:extLst>
+          </p:cNvPr>
+          <p:cNvSpPr>
+            <a:spLocks noGrp="1"/>
+          </p:cNvSpPr>
+          <p:nvPr>
+            <p:ph idx="1"/>
+          </p:nvPr>
+        </p:nvSpPr>
+        <p:spPr/>
+        <p:txBody>
+          <a:bodyPr/>
+          <a:lstStyle/>
+          <a:p>
+            <a:r>
+              <a:rPr lang="en-US" dirty="0"/>
+              <a:t>When Multiplicative Inverse does not exist, multiplication does not give a unique answer—remember Affine cipher, mod 26</a:t>
+            </a:r>
+          </a:p>
+          <a:p>
+            <a:pPr lvl="1"/>
+            <a:r>
+              <a:rPr lang="en-US" dirty="0"/>
+              <a:t>Symbols[index]		</a:t>
+            </a:r>
+            <a:r>
+              <a:rPr lang="en-US" dirty="0">
+                <a:latin typeface="Courier New" panose="02070309020205020404" pitchFamily="49" charset="0"/>
+                <a:cs typeface="Courier New" panose="02070309020205020404" pitchFamily="49" charset="0"/>
+              </a:rPr>
+              <a:t>ABCDEFGHIJKLMNOPQRSTUVWXYZ</a:t>
+            </a:r>
+          </a:p>
+          <a:p>
+            <a:pPr lvl="1"/>
+            <a:r>
+              <a:rPr lang="en-US" dirty="0"/>
+              <a:t>Symbols[13 * index]	</a:t>
+            </a:r>
+            <a:r>
+              <a:rPr lang="en-US" dirty="0">
+                <a:latin typeface="Courier New" panose="02070309020205020404" pitchFamily="49" charset="0"/>
+                <a:cs typeface="Courier New" panose="02070309020205020404" pitchFamily="49" charset="0"/>
+              </a:rPr>
+              <a:t>ANANANANANANANANANANANANAN</a:t>
+            </a:r>
+          </a:p>
+          <a:p>
+            <a:pPr lvl="1"/>
+            <a:r>
+              <a:rPr lang="en-US" dirty="0"/>
+              <a:t>Symbols[8 * index]	</a:t>
+            </a:r>
+            <a:r>
+              <a:rPr lang="en-US" u="sng" dirty="0">
+                <a:latin typeface="Courier New" panose="02070309020205020404" pitchFamily="49" charset="0"/>
+                <a:cs typeface="Courier New" panose="02070309020205020404" pitchFamily="49" charset="0"/>
+              </a:rPr>
+              <a:t>A</a:t>
+            </a:r>
+            <a:r>
+              <a:rPr lang="en-US" dirty="0">
+                <a:latin typeface="Courier New" panose="02070309020205020404" pitchFamily="49" charset="0"/>
+                <a:cs typeface="Courier New" panose="02070309020205020404" pitchFamily="49" charset="0"/>
+              </a:rPr>
+              <a:t>IQYGOWEMUCKS</a:t>
+            </a:r>
+            <a:r>
+              <a:rPr lang="en-US" u="sng" dirty="0">
+                <a:latin typeface="Courier New" panose="02070309020205020404" pitchFamily="49" charset="0"/>
+                <a:cs typeface="Courier New" panose="02070309020205020404" pitchFamily="49" charset="0"/>
+              </a:rPr>
+              <a:t>A</a:t>
+            </a:r>
+            <a:r>
+              <a:rPr lang="en-US" dirty="0">
+                <a:latin typeface="Courier New" panose="02070309020205020404" pitchFamily="49" charset="0"/>
+                <a:cs typeface="Courier New" panose="02070309020205020404" pitchFamily="49" charset="0"/>
+              </a:rPr>
+              <a:t>IQYGOWEMUCKS</a:t>
+            </a:r>
+          </a:p>
+          <a:p>
+            <a:r>
+              <a:rPr lang="en-US" dirty="0"/>
+              <a:t>Some encryption develops ways to work around this</a:t>
+            </a:r>
+          </a:p>
+          <a:p>
+            <a:pPr lvl="1"/>
+            <a:r>
+              <a:rPr lang="en-US" dirty="0"/>
+              <a:t>AES defines new operations to replace multiplication and addition</a:t>
+            </a:r>
+          </a:p>
+          <a:p>
+            <a:pPr lvl="1"/>
+            <a:r>
+              <a:rPr lang="en-US" dirty="0"/>
+              <a:t>Diffie-Hellman excludes numbers that do not have inverse</a:t>
+            </a:r>
+          </a:p>
+          <a:p>
+            <a:r>
+              <a:rPr lang="en-US" dirty="0"/>
+              <a:t>Some encryption makes use of this property</a:t>
+            </a:r>
+          </a:p>
+          <a:p>
+            <a:pPr lvl="1"/>
+            <a:r>
+              <a:rPr lang="en-US" dirty="0"/>
+              <a:t>RSA is based on a modulus that is not prime</a:t>
+            </a:r>
+          </a:p>
+        </p:txBody>
+      </p:sp>
+    </p:spTree>
+    <p:extLst>
+      <p:ext uri="{BB962C8B-B14F-4D97-AF65-F5344CB8AC3E}">
+        <p14:creationId xmlns:p14="http://schemas.microsoft.com/office/powerpoint/2010/main" val="4166968467"/>
+      </p:ext>
+    </p:extLst>
+  </p:cSld>
+  <p:clrMapOvr>
+    <a:masterClrMapping/>
+  </p:clrMapOvr>
+</p:sld>
+</file>
+
+<file path=ppt/slides/slide11.xml><?xml version="1.0" encoding="utf-8"?>
+<p:sld xmlns:a="http://schemas.openxmlformats.org/drawingml/2006/main" xmlns:r="http://schemas.openxmlformats.org/officeDocument/2006/relationships" xmlns:p="http://schemas.openxmlformats.org/presentationml/2006/main">
+  <p:cSld>
+    <p:spTree>
+      <p:nvGrpSpPr>
+        <p:cNvPr id="1" name=""/>
+        <p:cNvGrpSpPr/>
+        <p:nvPr/>
+      </p:nvGrpSpPr>
+      <p:grpSpPr>
+        <a:xfrm>
+          <a:off x="0" y="0"/>
+          <a:ext cx="0" cy="0"/>
+          <a:chOff x="0" y="0"/>
+          <a:chExt cx="0" cy="0"/>
+        </a:xfrm>
+      </p:grpSpPr>
+      <p:sp>
+        <p:nvSpPr>
+          <p:cNvPr id="2" name="Title 1">
+            <a:extLst>
+              <a:ext uri="{FF2B5EF4-FFF2-40B4-BE49-F238E27FC236}">
                 <a16:creationId xmlns:a16="http://schemas.microsoft.com/office/drawing/2014/main" id="{7F90381C-96A5-4CD0-BE80-F608561DB9ED}"/>
               </a:ext>
             </a:extLst>
@@ -6707,7 +6890,7 @@
 </p:sld>
 </file>
 
-<file path=ppt/slides/slide11.xml><?xml version="1.0" encoding="utf-8"?>
+<file path=ppt/slides/slide12.xml><?xml version="1.0" encoding="utf-8"?>
 <p:sld xmlns:a="http://schemas.openxmlformats.org/drawingml/2006/main" xmlns:r="http://schemas.openxmlformats.org/officeDocument/2006/relationships" xmlns:p="http://schemas.openxmlformats.org/presentationml/2006/main">
   <p:cSld>
     <p:spTree>
@@ -6890,7 +7073,7 @@
 </p:sld>
 </file>
 
-<file path=ppt/slides/slide12.xml><?xml version="1.0" encoding="utf-8"?>
+<file path=ppt/slides/slide13.xml><?xml version="1.0" encoding="utf-8"?>
 <p:sld xmlns:a="http://schemas.openxmlformats.org/drawingml/2006/main" xmlns:r="http://schemas.openxmlformats.org/officeDocument/2006/relationships" xmlns:p="http://schemas.openxmlformats.org/presentationml/2006/main">
   <p:cSld>
     <p:spTree>
@@ -7121,7 +7304,7 @@
 </p:sld>
 </file>
 
-<file path=ppt/slides/slide13.xml><?xml version="1.0" encoding="utf-8"?>
+<file path=ppt/slides/slide14.xml><?xml version="1.0" encoding="utf-8"?>
 <p:sld xmlns:a="http://schemas.openxmlformats.org/drawingml/2006/main" xmlns:r="http://schemas.openxmlformats.org/officeDocument/2006/relationships" xmlns:p="http://schemas.openxmlformats.org/presentationml/2006/main">
   <p:cSld>
     <p:spTree>
@@ -7450,7 +7633,7 @@
 </p:sld>
 </file>
 
-<file path=ppt/slides/slide14.xml><?xml version="1.0" encoding="utf-8"?>
+<file path=ppt/slides/slide15.xml><?xml version="1.0" encoding="utf-8"?>
 <p:sld xmlns:a="http://schemas.openxmlformats.org/drawingml/2006/main" xmlns:r="http://schemas.openxmlformats.org/officeDocument/2006/relationships" xmlns:p="http://schemas.openxmlformats.org/presentationml/2006/main">
   <p:cSld>
     <p:spTree>
@@ -7940,6 +8123,306 @@
 </file>
 
 <file path=ppt/slides/slide3.xml><?xml version="1.0" encoding="utf-8"?>
+<p:sld xmlns:a="http://schemas.openxmlformats.org/drawingml/2006/main" xmlns:r="http://schemas.openxmlformats.org/officeDocument/2006/relationships" xmlns:p="http://schemas.openxmlformats.org/presentationml/2006/main">
+  <p:cSld>
+    <p:bg>
+      <p:bgPr>
+        <a:solidFill>
+          <a:schemeClr val="bg1"/>
+        </a:solidFill>
+        <a:effectLst/>
+      </p:bgPr>
+    </p:bg>
+    <p:spTree>
+      <p:nvGrpSpPr>
+        <p:cNvPr id="1" name=""/>
+        <p:cNvGrpSpPr/>
+        <p:nvPr/>
+      </p:nvGrpSpPr>
+      <p:grpSpPr>
+        <a:xfrm>
+          <a:off x="0" y="0"/>
+          <a:ext cx="0" cy="0"/>
+          <a:chOff x="0" y="0"/>
+          <a:chExt cx="0" cy="0"/>
+        </a:xfrm>
+      </p:grpSpPr>
+      <p:sp>
+        <p:nvSpPr>
+          <p:cNvPr id="2" name="Title 1">
+            <a:extLst>
+              <a:ext uri="{FF2B5EF4-FFF2-40B4-BE49-F238E27FC236}">
+                <a16:creationId xmlns:a16="http://schemas.microsoft.com/office/drawing/2014/main" id="{78A6BB11-0755-4885-97D7-7E0A6A1E09F1}"/>
+              </a:ext>
+            </a:extLst>
+          </p:cNvPr>
+          <p:cNvSpPr>
+            <a:spLocks noGrp="1"/>
+          </p:cNvSpPr>
+          <p:nvPr>
+            <p:ph type="title"/>
+          </p:nvPr>
+        </p:nvSpPr>
+        <p:spPr>
+          <a:xfrm>
+            <a:off x="648929" y="629266"/>
+            <a:ext cx="3505495" cy="1622321"/>
+          </a:xfrm>
+        </p:spPr>
+        <p:txBody>
+          <a:bodyPr vert="horz" lIns="91440" tIns="45720" rIns="91440" bIns="45720" rtlCol="0" anchor="ctr">
+            <a:normAutofit/>
+          </a:bodyPr>
+          <a:lstStyle/>
+          <a:p>
+            <a:r>
+              <a:rPr lang="en-US" sz="3700" kern="1200">
+                <a:solidFill>
+                  <a:schemeClr val="tx1"/>
+                </a:solidFill>
+                <a:latin typeface="+mj-lt"/>
+                <a:ea typeface="+mj-ea"/>
+                <a:cs typeface="+mj-cs"/>
+              </a:rPr>
+              <a:t>Modular arithmetic “wraps”</a:t>
+            </a:r>
+          </a:p>
+        </p:txBody>
+      </p:sp>
+      <p:sp>
+        <p:nvSpPr>
+          <p:cNvPr id="6" name="TextBox 5">
+            <a:extLst>
+              <a:ext uri="{FF2B5EF4-FFF2-40B4-BE49-F238E27FC236}">
+                <a16:creationId xmlns:a16="http://schemas.microsoft.com/office/drawing/2014/main" id="{0EFB6440-BCCF-B2D3-F4C7-A7C42706C19E}"/>
+              </a:ext>
+            </a:extLst>
+          </p:cNvPr>
+          <p:cNvSpPr txBox="1"/>
+          <p:nvPr/>
+        </p:nvSpPr>
+        <p:spPr>
+          <a:xfrm>
+            <a:off x="648931" y="2438400"/>
+            <a:ext cx="3505494" cy="3785419"/>
+          </a:xfrm>
+          <a:prstGeom prst="rect">
+            <a:avLst/>
+          </a:prstGeom>
+        </p:spPr>
+        <p:txBody>
+          <a:bodyPr vert="horz" lIns="91440" tIns="45720" rIns="91440" bIns="45720" rtlCol="0">
+            <a:normAutofit/>
+          </a:bodyPr>
+          <a:lstStyle/>
+          <a:p>
+            <a:pPr indent="-228600">
+              <a:lnSpc>
+                <a:spcPct val="90000"/>
+              </a:lnSpc>
+              <a:spcAft>
+                <a:spcPts val="600"/>
+              </a:spcAft>
+              <a:buFont typeface="Arial" panose="020B0604020202020204" pitchFamily="34" charset="0"/>
+              <a:buChar char="•"/>
+            </a:pPr>
+            <a:r>
+              <a:rPr lang="en-US" sz="2800" dirty="0"/>
+              <a:t>Easy enough for simple problems, but for complex problems with gigantic numbers becomes hard to solve</a:t>
+            </a:r>
+          </a:p>
+        </p:txBody>
+      </p:sp>
+      <p:sp>
+        <p:nvSpPr>
+          <p:cNvPr id="11" name="Rectangle 10">
+            <a:extLst>
+              <a:ext uri="{FF2B5EF4-FFF2-40B4-BE49-F238E27FC236}">
+                <a16:creationId xmlns:a16="http://schemas.microsoft.com/office/drawing/2014/main" id="{5E39A796-BE83-48B1-B33F-35C4A32AAB57}"/>
+              </a:ext>
+              <a:ext uri="{C183D7F6-B498-43B3-948B-1728B52AA6E4}">
+                <adec:decorative xmlns:adec="http://schemas.microsoft.com/office/drawing/2017/decorative" val="1"/>
+              </a:ext>
+            </a:extLst>
+          </p:cNvPr>
+          <p:cNvSpPr>
+            <a:spLocks noGrp="1" noRot="1" noChangeAspect="1" noMove="1" noResize="1" noEditPoints="1" noAdjustHandles="1" noChangeArrowheads="1" noChangeShapeType="1" noTextEdit="1"/>
+          </p:cNvSpPr>
+          <p:nvPr>
+            <p:extLst>
+              <p:ext uri="{386F3935-93C4-4BCD-93E2-E3B085C9AB24}">
+                <p16:designElem xmlns:p16="http://schemas.microsoft.com/office/powerpoint/2015/main" val="1"/>
+              </p:ext>
+            </p:extLst>
+          </p:nvPr>
+        </p:nvSpPr>
+        <p:spPr>
+          <a:xfrm>
+            <a:off x="4639056" y="0"/>
+            <a:ext cx="7552944" cy="6858000"/>
+          </a:xfrm>
+          <a:prstGeom prst="rect">
+            <a:avLst/>
+          </a:prstGeom>
+          <a:solidFill>
+            <a:srgbClr val="C8CACA"/>
+          </a:solidFill>
+          <a:ln>
+            <a:noFill/>
+          </a:ln>
+        </p:spPr>
+        <p:style>
+          <a:lnRef idx="2">
+            <a:schemeClr val="accent1">
+              <a:shade val="50000"/>
+            </a:schemeClr>
+          </a:lnRef>
+          <a:fillRef idx="1">
+            <a:schemeClr val="accent1"/>
+          </a:fillRef>
+          <a:effectRef idx="0">
+            <a:schemeClr val="accent1"/>
+          </a:effectRef>
+          <a:fontRef idx="minor">
+            <a:schemeClr val="lt1"/>
+          </a:fontRef>
+        </p:style>
+        <p:txBody>
+          <a:bodyPr rtlCol="0" anchor="ctr"/>
+          <a:lstStyle/>
+          <a:p>
+            <a:pPr algn="ctr"/>
+            <a:endParaRPr lang="en-US"/>
+          </a:p>
+        </p:txBody>
+      </p:sp>
+      <p:sp>
+        <p:nvSpPr>
+          <p:cNvPr id="13" name="Rounded Rectangle 9">
+            <a:extLst>
+              <a:ext uri="{FF2B5EF4-FFF2-40B4-BE49-F238E27FC236}">
+                <a16:creationId xmlns:a16="http://schemas.microsoft.com/office/drawing/2014/main" id="{72F84B47-E267-4194-8194-831DB7B5547F}"/>
+              </a:ext>
+              <a:ext uri="{C183D7F6-B498-43B3-948B-1728B52AA6E4}">
+                <adec:decorative xmlns:adec="http://schemas.microsoft.com/office/drawing/2017/decorative" val="1"/>
+              </a:ext>
+            </a:extLst>
+          </p:cNvPr>
+          <p:cNvSpPr>
+            <a:spLocks noGrp="1" noRot="1" noChangeAspect="1" noMove="1" noResize="1" noEditPoints="1" noAdjustHandles="1" noChangeArrowheads="1" noChangeShapeType="1" noTextEdit="1"/>
+          </p:cNvSpPr>
+          <p:nvPr>
+            <p:extLst>
+              <p:ext uri="{386F3935-93C4-4BCD-93E2-E3B085C9AB24}">
+                <p16:designElem xmlns:p16="http://schemas.microsoft.com/office/powerpoint/2015/main" val="1"/>
+              </p:ext>
+            </p:extLst>
+          </p:nvPr>
+        </p:nvSpPr>
+        <p:spPr>
+          <a:xfrm>
+            <a:off x="5123688" y="557784"/>
+            <a:ext cx="6584098" cy="5739187"/>
+          </a:xfrm>
+          <a:prstGeom prst="roundRect">
+            <a:avLst>
+              <a:gd name="adj" fmla="val 0"/>
+            </a:avLst>
+          </a:prstGeom>
+          <a:solidFill>
+            <a:srgbClr val="FFFFFF"/>
+          </a:solidFill>
+          <a:ln w="9525">
+            <a:solidFill>
+              <a:srgbClr val="C8CACA"/>
+            </a:solidFill>
+          </a:ln>
+          <a:effectLst>
+            <a:outerShdw blurRad="57150" dist="19050" dir="5400000" algn="t" rotWithShape="0">
+              <a:prstClr val="black">
+                <a:alpha val="63000"/>
+              </a:prstClr>
+            </a:outerShdw>
+          </a:effectLst>
+        </p:spPr>
+        <p:style>
+          <a:lnRef idx="2">
+            <a:schemeClr val="accent1">
+              <a:shade val="50000"/>
+            </a:schemeClr>
+          </a:lnRef>
+          <a:fillRef idx="1">
+            <a:schemeClr val="accent1"/>
+          </a:fillRef>
+          <a:effectRef idx="0">
+            <a:schemeClr val="accent1"/>
+          </a:effectRef>
+          <a:fontRef idx="minor">
+            <a:schemeClr val="lt1"/>
+          </a:fontRef>
+        </p:style>
+        <p:txBody>
+          <a:bodyPr rtlCol="0" anchor="ctr"/>
+          <a:lstStyle/>
+          <a:p>
+            <a:pPr algn="ctr"/>
+            <a:endParaRPr lang="en-US"/>
+          </a:p>
+        </p:txBody>
+      </p:sp>
+      <p:pic>
+        <p:nvPicPr>
+          <p:cNvPr id="5" name="Content Placeholder 4" descr="A picture containing text, clock&#10;&#10;Description automatically generated">
+            <a:extLst>
+              <a:ext uri="{FF2B5EF4-FFF2-40B4-BE49-F238E27FC236}">
+                <a16:creationId xmlns:a16="http://schemas.microsoft.com/office/drawing/2014/main" id="{431E26B2-FC0F-FC78-E1D0-BC63565F86B0}"/>
+              </a:ext>
+            </a:extLst>
+          </p:cNvPr>
+          <p:cNvPicPr>
+            <a:picLocks noGrp="1" noChangeAspect="1"/>
+          </p:cNvPicPr>
+          <p:nvPr>
+            <p:ph idx="1"/>
+          </p:nvPr>
+        </p:nvPicPr>
+        <p:blipFill>
+          <a:blip r:embed="rId2">
+            <a:extLst>
+              <a:ext uri="{28A0092B-C50C-407E-A947-70E740481C1C}">
+                <a14:useLocalDpi xmlns:a14="http://schemas.microsoft.com/office/drawing/2010/main" val="0"/>
+              </a:ext>
+            </a:extLst>
+          </a:blip>
+          <a:stretch>
+            <a:fillRect/>
+          </a:stretch>
+        </p:blipFill>
+        <p:spPr>
+          <a:xfrm>
+            <a:off x="5405862" y="1907496"/>
+            <a:ext cx="6019331" cy="3039762"/>
+          </a:xfrm>
+          <a:prstGeom prst="rect">
+            <a:avLst/>
+          </a:prstGeom>
+          <a:effectLst/>
+        </p:spPr>
+      </p:pic>
+    </p:spTree>
+    <p:extLst>
+      <p:ext uri="{BB962C8B-B14F-4D97-AF65-F5344CB8AC3E}">
+        <p14:creationId xmlns:p14="http://schemas.microsoft.com/office/powerpoint/2010/main" val="2845581367"/>
+      </p:ext>
+    </p:extLst>
+  </p:cSld>
+  <p:clrMapOvr>
+    <a:masterClrMapping/>
+  </p:clrMapOvr>
+</p:sld>
+</file>
+
+<file path=ppt/slides/slide4.xml><?xml version="1.0" encoding="utf-8"?>
 <p:sld xmlns:a="http://schemas.openxmlformats.org/drawingml/2006/main" xmlns:r="http://schemas.openxmlformats.org/officeDocument/2006/relationships" xmlns:p="http://schemas.openxmlformats.org/presentationml/2006/main">
   <p:cSld>
     <p:spTree>
@@ -8313,162 +8796,6 @@
 </p:sld>
 </file>
 
-<file path=ppt/slides/slide4.xml><?xml version="1.0" encoding="utf-8"?>
-<p:sld xmlns:a="http://schemas.openxmlformats.org/drawingml/2006/main" xmlns:r="http://schemas.openxmlformats.org/officeDocument/2006/relationships" xmlns:p="http://schemas.openxmlformats.org/presentationml/2006/main">
-  <p:cSld>
-    <p:spTree>
-      <p:nvGrpSpPr>
-        <p:cNvPr id="1" name=""/>
-        <p:cNvGrpSpPr/>
-        <p:nvPr/>
-      </p:nvGrpSpPr>
-      <p:grpSpPr>
-        <a:xfrm>
-          <a:off x="0" y="0"/>
-          <a:ext cx="0" cy="0"/>
-          <a:chOff x="0" y="0"/>
-          <a:chExt cx="0" cy="0"/>
-        </a:xfrm>
-      </p:grpSpPr>
-      <p:sp>
-        <p:nvSpPr>
-          <p:cNvPr id="2" name="Title 1">
-            <a:extLst>
-              <a:ext uri="{FF2B5EF4-FFF2-40B4-BE49-F238E27FC236}">
-                <a16:creationId xmlns:a16="http://schemas.microsoft.com/office/drawing/2014/main" id="{7E500CCD-C1BE-4206-927C-D66ECD83B43A}"/>
-              </a:ext>
-            </a:extLst>
-          </p:cNvPr>
-          <p:cNvSpPr>
-            <a:spLocks noGrp="1"/>
-          </p:cNvSpPr>
-          <p:nvPr>
-            <p:ph type="title"/>
-          </p:nvPr>
-        </p:nvSpPr>
-        <p:spPr/>
-        <p:txBody>
-          <a:bodyPr/>
-          <a:lstStyle/>
-          <a:p>
-            <a:r>
-              <a:rPr lang="en-US" dirty="0"/>
-              <a:t>Modular Addition</a:t>
-            </a:r>
-          </a:p>
-        </p:txBody>
-      </p:sp>
-      <p:sp>
-        <p:nvSpPr>
-          <p:cNvPr id="3" name="Content Placeholder 2">
-            <a:extLst>
-              <a:ext uri="{FF2B5EF4-FFF2-40B4-BE49-F238E27FC236}">
-                <a16:creationId xmlns:a16="http://schemas.microsoft.com/office/drawing/2014/main" id="{8581D964-7E94-447E-9607-24AB1657AC48}"/>
-              </a:ext>
-            </a:extLst>
-          </p:cNvPr>
-          <p:cNvSpPr>
-            <a:spLocks noGrp="1"/>
-          </p:cNvSpPr>
-          <p:nvPr>
-            <p:ph idx="1"/>
-          </p:nvPr>
-        </p:nvSpPr>
-        <p:spPr/>
-        <p:txBody>
-          <a:bodyPr/>
-          <a:lstStyle/>
-          <a:p>
-            <a:r>
-              <a:rPr lang="en-US" dirty="0"/>
-              <a:t>Key part of Python Caesar script is:</a:t>
-            </a:r>
-          </a:p>
-          <a:p>
-            <a:pPr lvl="1"/>
-            <a:r>
-              <a:rPr lang="en-US" dirty="0"/>
-              <a:t> ciphertext += SYMBOLS[(index + shift) % length]</a:t>
-            </a:r>
-          </a:p>
-          <a:p>
-            <a:r>
-              <a:rPr lang="en-US" dirty="0"/>
-              <a:t>Modular addition “wraps around”</a:t>
-            </a:r>
-          </a:p>
-          <a:p>
-            <a:pPr lvl="1"/>
-            <a:r>
-              <a:rPr lang="en-US" dirty="0"/>
-              <a:t>Index of ‘Z’ is 25, we have 26 symbols (0-25)</a:t>
-            </a:r>
-          </a:p>
-          <a:p>
-            <a:pPr lvl="1"/>
-            <a:r>
-              <a:rPr lang="en-US" dirty="0"/>
-              <a:t>‘Z’ shifted by 3 is index 28, which doesn’t exist</a:t>
-            </a:r>
-          </a:p>
-          <a:p>
-            <a:pPr lvl="1"/>
-            <a:r>
-              <a:rPr lang="en-US" dirty="0"/>
-              <a:t>Index “wraps” by starting over at 0</a:t>
-            </a:r>
-          </a:p>
-          <a:p>
-            <a:pPr lvl="2"/>
-            <a:r>
-              <a:rPr lang="en-US" dirty="0"/>
-              <a:t>…, 25, 0, 1, 2, 3, …</a:t>
-            </a:r>
-          </a:p>
-          <a:p>
-            <a:pPr lvl="1"/>
-            <a:r>
-              <a:rPr lang="en-US" dirty="0"/>
-              <a:t>‘Z’ shifted by 3 is index 2, or ‘C’</a:t>
-            </a:r>
-          </a:p>
-          <a:p>
-            <a:r>
-              <a:rPr lang="en-US" dirty="0"/>
-              <a:t>Math:  </a:t>
-            </a:r>
-            <a:r>
-              <a:rPr lang="en-US" dirty="0" err="1">
-                <a:highlight>
-                  <a:srgbClr val="FFFF00"/>
-                </a:highlight>
-              </a:rPr>
-              <a:t>cipherIndex</a:t>
-            </a:r>
-            <a:r>
-              <a:rPr lang="en-US" dirty="0">
-                <a:highlight>
-                  <a:srgbClr val="FFFF00"/>
-                </a:highlight>
-              </a:rPr>
-              <a:t> = (index + shift) mod length</a:t>
-            </a:r>
-          </a:p>
-        </p:txBody>
-      </p:sp>
-    </p:spTree>
-    <p:extLst>
-      <p:ext uri="{BB962C8B-B14F-4D97-AF65-F5344CB8AC3E}">
-        <p14:creationId xmlns:p14="http://schemas.microsoft.com/office/powerpoint/2010/main" val="3983643147"/>
-      </p:ext>
-    </p:extLst>
-  </p:cSld>
-  <p:clrMapOvr>
-    <a:masterClrMapping/>
-  </p:clrMapOvr>
-</p:sld>
-</file>
-
 <file path=ppt/slides/slide5.xml><?xml version="1.0" encoding="utf-8"?>
 <p:sld xmlns:a="http://schemas.openxmlformats.org/drawingml/2006/main" xmlns:r="http://schemas.openxmlformats.org/officeDocument/2006/relationships" xmlns:p="http://schemas.openxmlformats.org/presentationml/2006/main">
   <p:cSld>
@@ -8491,7 +8818,7 @@
           <p:cNvPr id="2" name="Title 1">
             <a:extLst>
               <a:ext uri="{FF2B5EF4-FFF2-40B4-BE49-F238E27FC236}">
-                <a16:creationId xmlns:a16="http://schemas.microsoft.com/office/drawing/2014/main" id="{652B4A11-4127-45DD-BC80-9F3860E6FA77}"/>
+                <a16:creationId xmlns:a16="http://schemas.microsoft.com/office/drawing/2014/main" id="{7E500CCD-C1BE-4206-927C-D66ECD83B43A}"/>
               </a:ext>
             </a:extLst>
           </p:cNvPr>
@@ -8509,7 +8836,7 @@
           <a:p>
             <a:r>
               <a:rPr lang="en-US" dirty="0"/>
-              <a:t>Decrypt Caesar Cipher</a:t>
+              <a:t>Modular Addition</a:t>
             </a:r>
           </a:p>
         </p:txBody>
@@ -8519,7 +8846,7 @@
           <p:cNvPr id="3" name="Content Placeholder 2">
             <a:extLst>
               <a:ext uri="{FF2B5EF4-FFF2-40B4-BE49-F238E27FC236}">
-                <a16:creationId xmlns:a16="http://schemas.microsoft.com/office/drawing/2014/main" id="{801ACC2D-F4CD-47AD-8E7B-E00F54A54CDF}"/>
+                <a16:creationId xmlns:a16="http://schemas.microsoft.com/office/drawing/2014/main" id="{8581D964-7E94-447E-9607-24AB1657AC48}"/>
               </a:ext>
             </a:extLst>
           </p:cNvPr>
@@ -8537,29 +8864,61 @@
           <a:p>
             <a:r>
               <a:rPr lang="en-US" dirty="0"/>
-              <a:t>Encrypt:  </a:t>
-            </a:r>
-            <a:r>
-              <a:rPr lang="en-US" dirty="0" err="1"/>
-              <a:t>cipherIndex</a:t>
-            </a:r>
-            <a:r>
-              <a:rPr lang="en-US" dirty="0"/>
-              <a:t> = (index + shift) mod length</a:t>
-            </a:r>
-          </a:p>
-          <a:p>
-            <a:r>
-              <a:rPr lang="en-US" dirty="0"/>
-              <a:t>Decrypt:  </a:t>
-            </a:r>
-            <a:r>
-              <a:rPr lang="en-US" dirty="0">
-                <a:highlight>
-                  <a:srgbClr val="FFFF00"/>
-                </a:highlight>
-              </a:rPr>
-              <a:t>index = (</a:t>
+              <a:t>Key part of Python Caesar script is:</a:t>
+            </a:r>
+          </a:p>
+          <a:p>
+            <a:pPr lvl="1"/>
+            <a:r>
+              <a:rPr lang="en-US" dirty="0"/>
+              <a:t> ciphertext += SYMBOLS[(index + shift) % length]</a:t>
+            </a:r>
+          </a:p>
+          <a:p>
+            <a:r>
+              <a:rPr lang="en-US" dirty="0"/>
+              <a:t>Modular addition “wraps around”</a:t>
+            </a:r>
+          </a:p>
+          <a:p>
+            <a:pPr lvl="1"/>
+            <a:r>
+              <a:rPr lang="en-US" dirty="0"/>
+              <a:t>Index of ‘Z’ is 25, we have 26 symbols (0-25)</a:t>
+            </a:r>
+          </a:p>
+          <a:p>
+            <a:pPr lvl="1"/>
+            <a:r>
+              <a:rPr lang="en-US" dirty="0"/>
+              <a:t>‘Z’ shifted by 3 is index 28, which doesn’t exist</a:t>
+            </a:r>
+          </a:p>
+          <a:p>
+            <a:pPr lvl="1"/>
+            <a:r>
+              <a:rPr lang="en-US" dirty="0"/>
+              <a:t>Index “wraps” by starting over at 0</a:t>
+            </a:r>
+          </a:p>
+          <a:p>
+            <a:pPr lvl="2"/>
+            <a:r>
+              <a:rPr lang="en-US" dirty="0"/>
+              <a:t>…, 25, 0, 1, 2, 3, …</a:t>
+            </a:r>
+          </a:p>
+          <a:p>
+            <a:pPr lvl="1"/>
+            <a:r>
+              <a:rPr lang="en-US" dirty="0"/>
+              <a:t>‘Z’ shifted by 3 is index 2, or ‘C’</a:t>
+            </a:r>
+          </a:p>
+          <a:p>
+            <a:r>
+              <a:rPr lang="en-US" dirty="0"/>
+              <a:t>Math:  </a:t>
             </a:r>
             <a:r>
               <a:rPr lang="en-US" dirty="0" err="1">
@@ -8575,68 +8934,7 @@
                   <a:srgbClr val="FFFF00"/>
                 </a:highlight>
               </a:rPr>
-              <a:t> – shift) mod length</a:t>
-            </a:r>
-          </a:p>
-          <a:p>
-            <a:r>
-              <a:rPr lang="en-US" dirty="0"/>
-              <a:t>In our example shift = 3 and length = 26</a:t>
-            </a:r>
-          </a:p>
-          <a:p>
-            <a:pPr lvl="1"/>
-            <a:r>
-              <a:rPr lang="en-US" dirty="0"/>
-              <a:t>Encrypt:  </a:t>
-            </a:r>
-            <a:r>
-              <a:rPr lang="en-US" dirty="0" err="1"/>
-              <a:t>cipherIndex</a:t>
-            </a:r>
-            <a:r>
-              <a:rPr lang="en-US" dirty="0"/>
-              <a:t> = (index + 3) mod26</a:t>
-            </a:r>
-          </a:p>
-          <a:p>
-            <a:pPr lvl="1"/>
-            <a:r>
-              <a:rPr lang="en-US" dirty="0"/>
-              <a:t>Decrypt: index = (</a:t>
-            </a:r>
-            <a:r>
-              <a:rPr lang="en-US" dirty="0" err="1"/>
-              <a:t>cipherIndex</a:t>
-            </a:r>
-            <a:r>
-              <a:rPr lang="en-US" dirty="0"/>
-              <a:t> – 3) mod26</a:t>
-            </a:r>
-          </a:p>
-          <a:p>
-            <a:r>
-              <a:rPr lang="en-US" dirty="0"/>
-              <a:t>Decrypt code same as encrypt, just change shift</a:t>
-            </a:r>
-          </a:p>
-          <a:p>
-            <a:r>
-              <a:rPr lang="en-US" dirty="0"/>
-              <a:t>If shift is 13, encrypt and decrypt are the same</a:t>
-            </a:r>
-          </a:p>
-          <a:p>
-            <a:r>
-              <a:rPr lang="en-US" dirty="0"/>
-              <a:t>Multiple encryptions add no security</a:t>
-            </a:r>
-          </a:p>
-          <a:p>
-            <a:pPr lvl="1"/>
-            <a:r>
-              <a:rPr lang="en-US" dirty="0"/>
-              <a:t>Caesar shift 3 followed by Caesar shift 4 is just Caesar shift 7</a:t>
+              <a:t> = (index + shift) mod length</a:t>
             </a:r>
           </a:p>
         </p:txBody>
@@ -8644,7 +8942,7 @@
     </p:spTree>
     <p:extLst>
       <p:ext uri="{BB962C8B-B14F-4D97-AF65-F5344CB8AC3E}">
-        <p14:creationId xmlns:p14="http://schemas.microsoft.com/office/powerpoint/2010/main" val="2470338758"/>
+        <p14:creationId xmlns:p14="http://schemas.microsoft.com/office/powerpoint/2010/main" val="3983643147"/>
       </p:ext>
     </p:extLst>
   </p:cSld>
@@ -8676,7 +8974,7 @@
           <p:cNvPr id="2" name="Title 1">
             <a:extLst>
               <a:ext uri="{FF2B5EF4-FFF2-40B4-BE49-F238E27FC236}">
-                <a16:creationId xmlns:a16="http://schemas.microsoft.com/office/drawing/2014/main" id="{5A1BD408-46A0-44CD-95F5-FBD60E4E7592}"/>
+                <a16:creationId xmlns:a16="http://schemas.microsoft.com/office/drawing/2014/main" id="{652B4A11-4127-45DD-BC80-9F3860E6FA77}"/>
               </a:ext>
             </a:extLst>
           </p:cNvPr>
@@ -8694,7 +8992,7 @@
           <a:p>
             <a:r>
               <a:rPr lang="en-US" dirty="0"/>
-              <a:t>Affine Cipher, a more general case</a:t>
+              <a:t>Decrypt Caesar Cipher</a:t>
             </a:r>
           </a:p>
         </p:txBody>
@@ -8704,7 +9002,7 @@
           <p:cNvPr id="3" name="Content Placeholder 2">
             <a:extLst>
               <a:ext uri="{FF2B5EF4-FFF2-40B4-BE49-F238E27FC236}">
-                <a16:creationId xmlns:a16="http://schemas.microsoft.com/office/drawing/2014/main" id="{0FB30855-7526-4B02-9575-19F6FC6F675B}"/>
+                <a16:creationId xmlns:a16="http://schemas.microsoft.com/office/drawing/2014/main" id="{801ACC2D-F4CD-47AD-8E7B-E00F54A54CDF}"/>
               </a:ext>
             </a:extLst>
           </p:cNvPr>
@@ -8717,18 +9015,35 @@
         </p:nvSpPr>
         <p:spPr/>
         <p:txBody>
-          <a:bodyPr>
-            <a:normAutofit lnSpcReduction="10000"/>
-          </a:bodyPr>
-          <a:lstStyle/>
-          <a:p>
-            <a:r>
-              <a:rPr lang="en-US" dirty="0"/>
-              <a:t>Instead of simple shift (add to index), Affine cipher also multiplies</a:t>
-            </a:r>
-          </a:p>
-          <a:p>
-            <a:pPr lvl="1"/>
+          <a:bodyPr/>
+          <a:lstStyle/>
+          <a:p>
+            <a:r>
+              <a:rPr lang="en-US" dirty="0"/>
+              <a:t>Encrypt:  </a:t>
+            </a:r>
+            <a:r>
+              <a:rPr lang="en-US" dirty="0" err="1"/>
+              <a:t>cipherIndex</a:t>
+            </a:r>
+            <a:r>
+              <a:rPr lang="en-US" dirty="0"/>
+              <a:t> = (index + shift) mod length</a:t>
+            </a:r>
+          </a:p>
+          <a:p>
+            <a:r>
+              <a:rPr lang="en-US" dirty="0"/>
+              <a:t>Decrypt:  </a:t>
+            </a:r>
+            <a:r>
+              <a:rPr lang="en-US" dirty="0">
+                <a:highlight>
+                  <a:srgbClr val="FFFF00"/>
+                </a:highlight>
+              </a:rPr>
+              <a:t>index = (</a:t>
+            </a:r>
             <a:r>
               <a:rPr lang="en-US" dirty="0" err="1">
                 <a:highlight>
@@ -8743,121 +9058,68 @@
                   <a:srgbClr val="FFFF00"/>
                 </a:highlight>
               </a:rPr>
-              <a:t> = A * index + B</a:t>
-            </a:r>
-          </a:p>
-          <a:p>
-            <a:r>
-              <a:rPr lang="en-US" dirty="0"/>
-              <a:t>Jumbles symbols rather than shifting</a:t>
+              <a:t> – shift) mod length</a:t>
+            </a:r>
+          </a:p>
+          <a:p>
+            <a:r>
+              <a:rPr lang="en-US" dirty="0"/>
+              <a:t>In our example shift = 3 and length = 26</a:t>
             </a:r>
           </a:p>
           <a:p>
             <a:pPr lvl="1"/>
             <a:r>
               <a:rPr lang="en-US" dirty="0"/>
-              <a:t>Symbols[index]		</a:t>
-            </a:r>
-            <a:r>
-              <a:rPr lang="en-US" dirty="0">
-                <a:latin typeface="Courier New" panose="02070309020205020404" pitchFamily="49" charset="0"/>
-                <a:cs typeface="Courier New" panose="02070309020205020404" pitchFamily="49" charset="0"/>
-              </a:rPr>
-              <a:t>ABCDEFGHIJKLMNOPQRSTUVWXYZ</a:t>
+              <a:t>Encrypt:  </a:t>
+            </a:r>
+            <a:r>
+              <a:rPr lang="en-US" dirty="0" err="1"/>
+              <a:t>cipherIndex</a:t>
+            </a:r>
+            <a:r>
+              <a:rPr lang="en-US" dirty="0"/>
+              <a:t> = (index + 3) mod26</a:t>
             </a:r>
           </a:p>
           <a:p>
             <a:pPr lvl="1"/>
             <a:r>
               <a:rPr lang="en-US" dirty="0"/>
-              <a:t>Symbols[3 * index]	</a:t>
-            </a:r>
-            <a:r>
-              <a:rPr lang="en-US" dirty="0">
-                <a:latin typeface="Courier New" panose="02070309020205020404" pitchFamily="49" charset="0"/>
-                <a:cs typeface="Courier New" panose="02070309020205020404" pitchFamily="49" charset="0"/>
-              </a:rPr>
-              <a:t>ADGJMPSVYBEHKNQTWZCFILORUX</a:t>
+              <a:t>Decrypt: index = (</a:t>
+            </a:r>
+            <a:r>
+              <a:rPr lang="en-US" dirty="0" err="1"/>
+              <a:t>cipherIndex</a:t>
+            </a:r>
+            <a:r>
+              <a:rPr lang="en-US" dirty="0"/>
+              <a:t> – 3) mod26</a:t>
+            </a:r>
+          </a:p>
+          <a:p>
+            <a:r>
+              <a:rPr lang="en-US" dirty="0"/>
+              <a:t>Decrypt code same as encrypt, just change shift</a:t>
+            </a:r>
+          </a:p>
+          <a:p>
+            <a:r>
+              <a:rPr lang="en-US" dirty="0"/>
+              <a:t>If shift is 13, encrypt and decrypt are the same</a:t>
+            </a:r>
+          </a:p>
+          <a:p>
+            <a:r>
+              <a:rPr lang="en-US" dirty="0"/>
+              <a:t>Multiple encryptions add no security</a:t>
             </a:r>
           </a:p>
           <a:p>
             <a:pPr lvl="1"/>
             <a:r>
               <a:rPr lang="en-US" dirty="0"/>
-              <a:t>length = </a:t>
-            </a:r>
-            <a:r>
-              <a:rPr lang="en-US" dirty="0" err="1"/>
-              <a:t>len</a:t>
-            </a:r>
-            <a:r>
-              <a:rPr lang="en-US" dirty="0"/>
-              <a:t>(SYMBOLS) = 26	 shift B = 0 in this case</a:t>
-            </a:r>
-          </a:p>
-          <a:p>
-            <a:r>
-              <a:rPr lang="en-US" dirty="0"/>
-              <a:t>Problem:  A and length cannot have a common factor (A and length must be relatively prime)</a:t>
-            </a:r>
-          </a:p>
-          <a:p>
-            <a:pPr lvl="1"/>
-            <a:r>
-              <a:rPr lang="en-US" dirty="0"/>
-              <a:t>Symbols[13 * index]	 </a:t>
-            </a:r>
-            <a:r>
-              <a:rPr lang="en-US" dirty="0">
-                <a:latin typeface="Courier New" panose="02070309020205020404" pitchFamily="49" charset="0"/>
-                <a:cs typeface="Courier New" panose="02070309020205020404" pitchFamily="49" charset="0"/>
-              </a:rPr>
-              <a:t>ANANANANANANANANANANANANAN</a:t>
-            </a:r>
-          </a:p>
-          <a:p>
-            <a:pPr lvl="1"/>
-            <a:r>
-              <a:rPr lang="en-US" dirty="0"/>
-              <a:t>Symbols[8 * index]	 </a:t>
-            </a:r>
-            <a:r>
-              <a:rPr lang="en-US" u="sng" dirty="0">
-                <a:latin typeface="Courier New" panose="02070309020205020404" pitchFamily="49" charset="0"/>
-                <a:cs typeface="Courier New" panose="02070309020205020404" pitchFamily="49" charset="0"/>
-              </a:rPr>
-              <a:t>A</a:t>
-            </a:r>
-            <a:r>
-              <a:rPr lang="en-US" dirty="0">
-                <a:latin typeface="Courier New" panose="02070309020205020404" pitchFamily="49" charset="0"/>
-                <a:cs typeface="Courier New" panose="02070309020205020404" pitchFamily="49" charset="0"/>
-              </a:rPr>
-              <a:t>IQYGOWEMUCKS</a:t>
-            </a:r>
-            <a:r>
-              <a:rPr lang="en-US" u="sng" dirty="0">
-                <a:latin typeface="Courier New" panose="02070309020205020404" pitchFamily="49" charset="0"/>
-                <a:cs typeface="Courier New" panose="02070309020205020404" pitchFamily="49" charset="0"/>
-              </a:rPr>
-              <a:t>A</a:t>
-            </a:r>
-            <a:r>
-              <a:rPr lang="en-US" dirty="0">
-                <a:latin typeface="Courier New" panose="02070309020205020404" pitchFamily="49" charset="0"/>
-                <a:cs typeface="Courier New" panose="02070309020205020404" pitchFamily="49" charset="0"/>
-              </a:rPr>
-              <a:t>IQYGOWEMUCKS</a:t>
-            </a:r>
-          </a:p>
-          <a:p>
-            <a:r>
-              <a:rPr lang="en-US" dirty="0">
-                <a:highlight>
-                  <a:srgbClr val="FFFF00"/>
-                </a:highlight>
-              </a:rPr>
-              <a:t>This is one reason why prime numbers are common in encryption</a:t>
+              <a:t>Caesar shift 3 followed by Caesar shift 4 is just Caesar shift 7</a:t>
             </a:r>
           </a:p>
         </p:txBody>
@@ -8865,7 +9127,7 @@
     </p:spTree>
     <p:extLst>
       <p:ext uri="{BB962C8B-B14F-4D97-AF65-F5344CB8AC3E}">
-        <p14:creationId xmlns:p14="http://schemas.microsoft.com/office/powerpoint/2010/main" val="355988284"/>
+        <p14:creationId xmlns:p14="http://schemas.microsoft.com/office/powerpoint/2010/main" val="2470338758"/>
       </p:ext>
     </p:extLst>
   </p:cSld>
@@ -8897,7 +9159,7 @@
           <p:cNvPr id="2" name="Title 1">
             <a:extLst>
               <a:ext uri="{FF2B5EF4-FFF2-40B4-BE49-F238E27FC236}">
-                <a16:creationId xmlns:a16="http://schemas.microsoft.com/office/drawing/2014/main" id="{3DA92F7B-94DF-496C-9B02-6F45138B0B58}"/>
+                <a16:creationId xmlns:a16="http://schemas.microsoft.com/office/drawing/2014/main" id="{5A1BD408-46A0-44CD-95F5-FBD60E4E7592}"/>
               </a:ext>
             </a:extLst>
           </p:cNvPr>
@@ -8915,7 +9177,7 @@
           <a:p>
             <a:r>
               <a:rPr lang="en-US" dirty="0"/>
-              <a:t>GCD and Relatively Prime Numbers</a:t>
+              <a:t>Affine Cipher, a more general case</a:t>
             </a:r>
           </a:p>
         </p:txBody>
@@ -8925,7 +9187,7 @@
           <p:cNvPr id="3" name="Content Placeholder 2">
             <a:extLst>
               <a:ext uri="{FF2B5EF4-FFF2-40B4-BE49-F238E27FC236}">
-                <a16:creationId xmlns:a16="http://schemas.microsoft.com/office/drawing/2014/main" id="{32F8C766-A995-4019-B294-F880223235BB}"/>
+                <a16:creationId xmlns:a16="http://schemas.microsoft.com/office/drawing/2014/main" id="{0FB30855-7526-4B02-9575-19F6FC6F675B}"/>
               </a:ext>
             </a:extLst>
           </p:cNvPr>
@@ -8936,139 +9198,149 @@
             <p:ph idx="1"/>
           </p:nvPr>
         </p:nvSpPr>
-        <p:spPr>
-          <a:xfrm>
-            <a:off x="838200" y="1825625"/>
-            <a:ext cx="10515600" cy="3408112"/>
-          </a:xfrm>
-        </p:spPr>
+        <p:spPr/>
         <p:txBody>
           <a:bodyPr>
-            <a:normAutofit fontScale="92500" lnSpcReduction="10000"/>
+            <a:normAutofit lnSpcReduction="10000"/>
           </a:bodyPr>
           <a:lstStyle/>
           <a:p>
             <a:r>
               <a:rPr lang="en-US" dirty="0"/>
-              <a:t>Greatest Common Divisor (GCD) of two numbers is the largest number that can divide into both, with no remainder.</a:t>
+              <a:t>Instead of simple shift (add to index), Affine cipher also multiplies</a:t>
             </a:r>
           </a:p>
           <a:p>
             <a:pPr lvl="1"/>
             <a:r>
-              <a:rPr lang="en-US" dirty="0"/>
-              <a:t>GCD( 36, 45 ) = 9</a:t>
-            </a:r>
-          </a:p>
-          <a:p>
-            <a:r>
-              <a:rPr lang="en-US" dirty="0"/>
-              <a:t>GCD(a, b) = 1 means the numbers are relatively prime.</a:t>
+              <a:rPr lang="en-US" dirty="0" err="1">
+                <a:highlight>
+                  <a:srgbClr val="FFFF00"/>
+                </a:highlight>
+              </a:rPr>
+              <a:t>cipherIndex</a:t>
+            </a:r>
+            <a:r>
+              <a:rPr lang="en-US" dirty="0">
+                <a:highlight>
+                  <a:srgbClr val="FFFF00"/>
+                </a:highlight>
+              </a:rPr>
+              <a:t> = A * index + B</a:t>
+            </a:r>
+          </a:p>
+          <a:p>
+            <a:r>
+              <a:rPr lang="en-US" dirty="0"/>
+              <a:t>Jumbles symbols rather than shifting</a:t>
             </a:r>
           </a:p>
           <a:p>
             <a:pPr lvl="1"/>
             <a:r>
               <a:rPr lang="en-US" dirty="0"/>
-              <a:t>GCD( 44, 45 ) = 1</a:t>
-            </a:r>
-          </a:p>
-          <a:p>
-            <a:r>
-              <a:rPr lang="en-US" dirty="0"/>
-              <a:t>Euclid’s Algorithm computes GCD quickly.</a:t>
+              <a:t>Symbols[index]		</a:t>
+            </a:r>
+            <a:r>
+              <a:rPr lang="en-US" dirty="0">
+                <a:latin typeface="Courier New" panose="02070309020205020404" pitchFamily="49" charset="0"/>
+                <a:cs typeface="Courier New" panose="02070309020205020404" pitchFamily="49" charset="0"/>
+              </a:rPr>
+              <a:t>ABCDEFGHIJKLMNOPQRSTUVWXYZ</a:t>
             </a:r>
           </a:p>
           <a:p>
             <a:pPr lvl="1"/>
             <a:r>
               <a:rPr lang="en-US" dirty="0"/>
-              <a:t>Divide larger number by smaller and take the remainder  b % a</a:t>
+              <a:t>Symbols[3 * index]	</a:t>
+            </a:r>
+            <a:r>
+              <a:rPr lang="en-US" dirty="0">
+                <a:latin typeface="Courier New" panose="02070309020205020404" pitchFamily="49" charset="0"/>
+                <a:cs typeface="Courier New" panose="02070309020205020404" pitchFamily="49" charset="0"/>
+              </a:rPr>
+              <a:t>ADGJMPSVYBEHKNQTWZCFILORUX</a:t>
             </a:r>
           </a:p>
           <a:p>
             <a:pPr lvl="1"/>
             <a:r>
               <a:rPr lang="en-US" dirty="0"/>
-              <a:t>Continue while the smaller number is &gt; 0</a:t>
+              <a:t>length = </a:t>
+            </a:r>
+            <a:r>
+              <a:rPr lang="en-US" dirty="0" err="1"/>
+              <a:t>len</a:t>
+            </a:r>
+            <a:r>
+              <a:rPr lang="en-US" dirty="0"/>
+              <a:t>(SYMBOLS) = 26	 shift B = 0 in this case</a:t>
+            </a:r>
+          </a:p>
+          <a:p>
+            <a:r>
+              <a:rPr lang="en-US" dirty="0"/>
+              <a:t>Problem:  A and length cannot have a common factor (A and length must be relatively prime)</a:t>
             </a:r>
           </a:p>
           <a:p>
             <a:pPr lvl="1"/>
             <a:r>
               <a:rPr lang="en-US" dirty="0"/>
-              <a:t>What’s left is GCD</a:t>
-            </a:r>
-          </a:p>
-        </p:txBody>
-      </p:sp>
-      <p:pic>
-        <p:nvPicPr>
-          <p:cNvPr id="6" name="Picture 5">
-            <a:extLst>
-              <a:ext uri="{FF2B5EF4-FFF2-40B4-BE49-F238E27FC236}">
-                <a16:creationId xmlns:a16="http://schemas.microsoft.com/office/drawing/2014/main" id="{39BDC9A1-A44B-4813-8DAA-6E5951D6E5DC}"/>
-              </a:ext>
-            </a:extLst>
-          </p:cNvPr>
-          <p:cNvPicPr>
-            <a:picLocks noChangeAspect="1"/>
-          </p:cNvPicPr>
-          <p:nvPr/>
-        </p:nvPicPr>
-        <p:blipFill>
-          <a:blip r:embed="rId3"/>
-          <a:stretch>
-            <a:fillRect/>
-          </a:stretch>
-        </p:blipFill>
-        <p:spPr>
-          <a:xfrm>
-            <a:off x="1337072" y="5089107"/>
-            <a:ext cx="9517856" cy="1403768"/>
-          </a:xfrm>
-          <a:prstGeom prst="rect">
-            <a:avLst/>
-          </a:prstGeom>
-        </p:spPr>
-      </p:pic>
-      <p:sp>
-        <p:nvSpPr>
-          <p:cNvPr id="5" name="TextBox 4">
-            <a:extLst>
-              <a:ext uri="{FF2B5EF4-FFF2-40B4-BE49-F238E27FC236}">
-                <a16:creationId xmlns:a16="http://schemas.microsoft.com/office/drawing/2014/main" id="{E120B430-56C8-4441-A118-5011D3F4E343}"/>
-              </a:ext>
-            </a:extLst>
-          </p:cNvPr>
-          <p:cNvSpPr txBox="1"/>
-          <p:nvPr/>
-        </p:nvSpPr>
-        <p:spPr>
-          <a:xfrm>
-            <a:off x="5484246" y="5910779"/>
-            <a:ext cx="3172178" cy="307777"/>
-          </a:xfrm>
-          <a:prstGeom prst="rect">
-            <a:avLst/>
-          </a:prstGeom>
-          <a:noFill/>
-        </p:spPr>
-        <p:txBody>
-          <a:bodyPr wrap="square" rtlCol="0">
-            <a:spAutoFit/>
-          </a:bodyPr>
-          <a:lstStyle/>
-          <a:p>
-            <a:r>
-              <a:rPr lang="en-US" sz="1400" dirty="0">
-                <a:hlinkClick r:id="rId4"/>
+              <a:t>Symbols[13 * index]	 </a:t>
+            </a:r>
+            <a:r>
+              <a:rPr lang="en-US" dirty="0">
+                <a:latin typeface="Courier New" panose="02070309020205020404" pitchFamily="49" charset="0"/>
+                <a:cs typeface="Courier New" panose="02070309020205020404" pitchFamily="49" charset="0"/>
               </a:rPr>
-              <a:t>https://inventwithpython.com/cracking/</a:t>
-            </a:r>
-            <a:r>
-              <a:rPr lang="en-US" sz="1400" dirty="0"/>
-              <a:t> </a:t>
+              <a:t>ANANANANANANANANANANANANAN</a:t>
+            </a:r>
+          </a:p>
+          <a:p>
+            <a:pPr lvl="1"/>
+            <a:r>
+              <a:rPr lang="en-US" dirty="0"/>
+              <a:t>Symbols[8 * index]	 </a:t>
+            </a:r>
+            <a:r>
+              <a:rPr lang="en-US" u="sng" dirty="0">
+                <a:latin typeface="Courier New" panose="02070309020205020404" pitchFamily="49" charset="0"/>
+                <a:cs typeface="Courier New" panose="02070309020205020404" pitchFamily="49" charset="0"/>
+              </a:rPr>
+              <a:t>A</a:t>
+            </a:r>
+            <a:r>
+              <a:rPr lang="en-US" dirty="0">
+                <a:latin typeface="Courier New" panose="02070309020205020404" pitchFamily="49" charset="0"/>
+                <a:cs typeface="Courier New" panose="02070309020205020404" pitchFamily="49" charset="0"/>
+              </a:rPr>
+              <a:t>IQYGOWEMUCKS</a:t>
+            </a:r>
+            <a:r>
+              <a:rPr lang="en-US" u="sng" dirty="0">
+                <a:latin typeface="Courier New" panose="02070309020205020404" pitchFamily="49" charset="0"/>
+                <a:cs typeface="Courier New" panose="02070309020205020404" pitchFamily="49" charset="0"/>
+              </a:rPr>
+              <a:t>A</a:t>
+            </a:r>
+            <a:r>
+              <a:rPr lang="en-US" dirty="0">
+                <a:latin typeface="Courier New" panose="02070309020205020404" pitchFamily="49" charset="0"/>
+                <a:cs typeface="Courier New" panose="02070309020205020404" pitchFamily="49" charset="0"/>
+              </a:rPr>
+              <a:t>IQYGOWEMUCKS</a:t>
+            </a:r>
+          </a:p>
+          <a:p>
+            <a:r>
+              <a:rPr lang="en-US" dirty="0">
+                <a:highlight>
+                  <a:srgbClr val="FFFF00"/>
+                </a:highlight>
+              </a:rPr>
+              <a:t>This is one reason why prime numbers are common in encryption</a:t>
             </a:r>
           </a:p>
         </p:txBody>
@@ -9076,7 +9348,7 @@
     </p:spTree>
     <p:extLst>
       <p:ext uri="{BB962C8B-B14F-4D97-AF65-F5344CB8AC3E}">
-        <p14:creationId xmlns:p14="http://schemas.microsoft.com/office/powerpoint/2010/main" val="747259040"/>
+        <p14:creationId xmlns:p14="http://schemas.microsoft.com/office/powerpoint/2010/main" val="355988284"/>
       </p:ext>
     </p:extLst>
   </p:cSld>
@@ -9108,7 +9380,7 @@
           <p:cNvPr id="2" name="Title 1">
             <a:extLst>
               <a:ext uri="{FF2B5EF4-FFF2-40B4-BE49-F238E27FC236}">
-                <a16:creationId xmlns:a16="http://schemas.microsoft.com/office/drawing/2014/main" id="{32542EB2-0E93-4CD8-89CE-E9858B3A60D9}"/>
+                <a16:creationId xmlns:a16="http://schemas.microsoft.com/office/drawing/2014/main" id="{3DA92F7B-94DF-496C-9B02-6F45138B0B58}"/>
               </a:ext>
             </a:extLst>
           </p:cNvPr>
@@ -9126,7 +9398,7 @@
           <a:p>
             <a:r>
               <a:rPr lang="en-US" dirty="0"/>
-              <a:t>Affine Decryption and the Modular Inverse</a:t>
+              <a:t>GCD and Relatively Prime Numbers</a:t>
             </a:r>
           </a:p>
         </p:txBody>
@@ -9136,7 +9408,7 @@
           <p:cNvPr id="3" name="Content Placeholder 2">
             <a:extLst>
               <a:ext uri="{FF2B5EF4-FFF2-40B4-BE49-F238E27FC236}">
-                <a16:creationId xmlns:a16="http://schemas.microsoft.com/office/drawing/2014/main" id="{41AA5DDE-0692-4840-A920-F0B39D4E041A}"/>
+                <a16:creationId xmlns:a16="http://schemas.microsoft.com/office/drawing/2014/main" id="{32F8C766-A995-4019-B294-F880223235BB}"/>
               </a:ext>
             </a:extLst>
           </p:cNvPr>
@@ -9147,144 +9419,139 @@
             <p:ph idx="1"/>
           </p:nvPr>
         </p:nvSpPr>
-        <p:spPr/>
-        <p:txBody>
-          <a:bodyPr/>
-          <a:lstStyle/>
-          <a:p>
-            <a:r>
-              <a:rPr lang="en-US" dirty="0"/>
-              <a:t>Affine Encrypt:  </a:t>
-            </a:r>
-            <a:r>
-              <a:rPr lang="en-US" dirty="0" err="1"/>
-              <a:t>cipherIndex</a:t>
-            </a:r>
-            <a:r>
-              <a:rPr lang="en-US" dirty="0"/>
-              <a:t> = (A * index + B) mod length</a:t>
-            </a:r>
-          </a:p>
-          <a:p>
-            <a:r>
-              <a:rPr lang="en-US" dirty="0"/>
-              <a:t>Affine Decrypt:  index = (</a:t>
-            </a:r>
-            <a:r>
-              <a:rPr lang="en-US" dirty="0" err="1"/>
-              <a:t>cipherIndex</a:t>
-            </a:r>
-            <a:r>
-              <a:rPr lang="en-US" dirty="0"/>
-              <a:t> – B) / A </a:t>
-            </a:r>
-            <a:r>
-              <a:rPr lang="en-US" dirty="0">
-                <a:highlight>
-                  <a:srgbClr val="FFFF00"/>
-                </a:highlight>
+        <p:spPr>
+          <a:xfrm>
+            <a:off x="838200" y="1825625"/>
+            <a:ext cx="10515600" cy="3408112"/>
+          </a:xfrm>
+        </p:spPr>
+        <p:txBody>
+          <a:bodyPr>
+            <a:normAutofit fontScale="92500" lnSpcReduction="10000"/>
+          </a:bodyPr>
+          <a:lstStyle/>
+          <a:p>
+            <a:r>
+              <a:rPr lang="en-US" dirty="0"/>
+              <a:t>Greatest Common Divisor (GCD) of two numbers is the largest number that can divide into both, with no remainder.</a:t>
+            </a:r>
+          </a:p>
+          <a:p>
+            <a:pPr lvl="1"/>
+            <a:r>
+              <a:rPr lang="en-US" dirty="0"/>
+              <a:t>GCD( 36, 45 ) = 9</a:t>
+            </a:r>
+          </a:p>
+          <a:p>
+            <a:r>
+              <a:rPr lang="en-US" dirty="0"/>
+              <a:t>GCD(a, b) = 1 means the numbers are relatively prime.</a:t>
+            </a:r>
+          </a:p>
+          <a:p>
+            <a:pPr lvl="1"/>
+            <a:r>
+              <a:rPr lang="en-US" dirty="0"/>
+              <a:t>GCD( 44, 45 ) = 1</a:t>
+            </a:r>
+          </a:p>
+          <a:p>
+            <a:r>
+              <a:rPr lang="en-US" dirty="0"/>
+              <a:t>Euclid’s Algorithm computes GCD quickly.</a:t>
+            </a:r>
+          </a:p>
+          <a:p>
+            <a:pPr lvl="1"/>
+            <a:r>
+              <a:rPr lang="en-US" dirty="0"/>
+              <a:t>Divide larger number by smaller and take the remainder  b % a</a:t>
+            </a:r>
+          </a:p>
+          <a:p>
+            <a:pPr lvl="1"/>
+            <a:r>
+              <a:rPr lang="en-US" dirty="0"/>
+              <a:t>Continue while the smaller number is &gt; 0</a:t>
+            </a:r>
+          </a:p>
+          <a:p>
+            <a:pPr lvl="1"/>
+            <a:r>
+              <a:rPr lang="en-US" dirty="0"/>
+              <a:t>What’s left is GCD</a:t>
+            </a:r>
+          </a:p>
+        </p:txBody>
+      </p:sp>
+      <p:pic>
+        <p:nvPicPr>
+          <p:cNvPr id="6" name="Picture 5">
+            <a:extLst>
+              <a:ext uri="{FF2B5EF4-FFF2-40B4-BE49-F238E27FC236}">
+                <a16:creationId xmlns:a16="http://schemas.microsoft.com/office/drawing/2014/main" id="{39BDC9A1-A44B-4813-8DAA-6E5951D6E5DC}"/>
+              </a:ext>
+            </a:extLst>
+          </p:cNvPr>
+          <p:cNvPicPr>
+            <a:picLocks noChangeAspect="1"/>
+          </p:cNvPicPr>
+          <p:nvPr/>
+        </p:nvPicPr>
+        <p:blipFill>
+          <a:blip r:embed="rId3"/>
+          <a:stretch>
+            <a:fillRect/>
+          </a:stretch>
+        </p:blipFill>
+        <p:spPr>
+          <a:xfrm>
+            <a:off x="1337072" y="5089107"/>
+            <a:ext cx="9517856" cy="1403768"/>
+          </a:xfrm>
+          <a:prstGeom prst="rect">
+            <a:avLst/>
+          </a:prstGeom>
+        </p:spPr>
+      </p:pic>
+      <p:sp>
+        <p:nvSpPr>
+          <p:cNvPr id="5" name="TextBox 4">
+            <a:extLst>
+              <a:ext uri="{FF2B5EF4-FFF2-40B4-BE49-F238E27FC236}">
+                <a16:creationId xmlns:a16="http://schemas.microsoft.com/office/drawing/2014/main" id="{E120B430-56C8-4441-A118-5011D3F4E343}"/>
+              </a:ext>
+            </a:extLst>
+          </p:cNvPr>
+          <p:cNvSpPr txBox="1"/>
+          <p:nvPr/>
+        </p:nvSpPr>
+        <p:spPr>
+          <a:xfrm>
+            <a:off x="5484246" y="5910779"/>
+            <a:ext cx="3172178" cy="307777"/>
+          </a:xfrm>
+          <a:prstGeom prst="rect">
+            <a:avLst/>
+          </a:prstGeom>
+          <a:noFill/>
+        </p:spPr>
+        <p:txBody>
+          <a:bodyPr wrap="square" rtlCol="0">
+            <a:spAutoFit/>
+          </a:bodyPr>
+          <a:lstStyle/>
+          <a:p>
+            <a:r>
+              <a:rPr lang="en-US" sz="1400" dirty="0">
+                <a:hlinkClick r:id="rId4"/>
               </a:rPr>
-              <a:t>????</a:t>
-            </a:r>
-          </a:p>
-          <a:p>
-            <a:pPr lvl="1"/>
-            <a:r>
-              <a:rPr lang="en-US" dirty="0"/>
-              <a:t>Division does not work in modular arithmetic</a:t>
-            </a:r>
-          </a:p>
-          <a:p>
-            <a:pPr lvl="1"/>
-            <a:r>
-              <a:rPr lang="en-US" dirty="0"/>
-              <a:t>In modular arithmetic, we multiply by the inverse</a:t>
-            </a:r>
-          </a:p>
-          <a:p>
-            <a:pPr lvl="1"/>
-            <a:r>
-              <a:rPr lang="en-US" dirty="0"/>
-              <a:t>A</a:t>
-            </a:r>
-            <a:r>
-              <a:rPr lang="en-US" baseline="30000" dirty="0"/>
-              <a:t>-1</a:t>
-            </a:r>
-            <a:r>
-              <a:rPr lang="en-US" dirty="0"/>
-              <a:t> * A = 1 mod length</a:t>
-            </a:r>
-          </a:p>
-          <a:p>
-            <a:pPr lvl="1"/>
-            <a:r>
-              <a:rPr lang="en-US" dirty="0"/>
-              <a:t>If A is 3 and length is 26, 9 * 3 mod 26 = 27 mod 26 = 1</a:t>
-            </a:r>
-          </a:p>
-          <a:p>
-            <a:pPr lvl="1"/>
-            <a:r>
-              <a:rPr lang="en-US" dirty="0"/>
-              <a:t>3 and 9 are multiplicative inverses in modulo 26</a:t>
-            </a:r>
-          </a:p>
-          <a:p>
-            <a:pPr lvl="1"/>
-            <a:r>
-              <a:rPr lang="en-US" dirty="0">
-                <a:highlight>
-                  <a:srgbClr val="FFFF00"/>
-                </a:highlight>
-              </a:rPr>
-              <a:t>Index = (</a:t>
-            </a:r>
-            <a:r>
-              <a:rPr lang="en-US" dirty="0" err="1">
-                <a:highlight>
-                  <a:srgbClr val="FFFF00"/>
-                </a:highlight>
-              </a:rPr>
-              <a:t>cipherIndex</a:t>
-            </a:r>
-            <a:r>
-              <a:rPr lang="en-US" dirty="0">
-                <a:highlight>
-                  <a:srgbClr val="FFFF00"/>
-                </a:highlight>
-              </a:rPr>
-              <a:t> – B) * A</a:t>
-            </a:r>
-            <a:r>
-              <a:rPr lang="en-US" baseline="30000" dirty="0">
-                <a:highlight>
-                  <a:srgbClr val="FFFF00"/>
-                </a:highlight>
-              </a:rPr>
-              <a:t>-1 </a:t>
-            </a:r>
-            <a:r>
-              <a:rPr lang="en-US" dirty="0">
-                <a:highlight>
-                  <a:srgbClr val="FFFF00"/>
-                </a:highlight>
-              </a:rPr>
-              <a:t>mod length</a:t>
-            </a:r>
-          </a:p>
-          <a:p>
-            <a:r>
-              <a:rPr lang="en-US" dirty="0"/>
-              <a:t>For A</a:t>
-            </a:r>
-            <a:r>
-              <a:rPr lang="en-US" baseline="30000" dirty="0"/>
-              <a:t>-1</a:t>
-            </a:r>
-            <a:r>
-              <a:rPr lang="en-US" dirty="0"/>
-              <a:t> mod length to exist, A and length must be relatively prime</a:t>
+              <a:t>https://inventwithpython.com/cracking/</a:t>
+            </a:r>
+            <a:r>
+              <a:rPr lang="en-US" sz="1400" dirty="0"/>
+              <a:t> </a:t>
             </a:r>
           </a:p>
         </p:txBody>
@@ -9292,7 +9559,7 @@
     </p:spTree>
     <p:extLst>
       <p:ext uri="{BB962C8B-B14F-4D97-AF65-F5344CB8AC3E}">
-        <p14:creationId xmlns:p14="http://schemas.microsoft.com/office/powerpoint/2010/main" val="3424901659"/>
+        <p14:creationId xmlns:p14="http://schemas.microsoft.com/office/powerpoint/2010/main" val="747259040"/>
       </p:ext>
     </p:extLst>
   </p:cSld>
@@ -9324,7 +9591,7 @@
           <p:cNvPr id="2" name="Title 1">
             <a:extLst>
               <a:ext uri="{FF2B5EF4-FFF2-40B4-BE49-F238E27FC236}">
-                <a16:creationId xmlns:a16="http://schemas.microsoft.com/office/drawing/2014/main" id="{E80E4EF2-19B2-4BFC-836B-1FDB1EADD572}"/>
+                <a16:creationId xmlns:a16="http://schemas.microsoft.com/office/drawing/2014/main" id="{32542EB2-0E93-4CD8-89CE-E9858B3A60D9}"/>
               </a:ext>
             </a:extLst>
           </p:cNvPr>
@@ -9342,7 +9609,7 @@
           <a:p>
             <a:r>
               <a:rPr lang="en-US" dirty="0"/>
-              <a:t>Key Point—Multiplicative Inverse</a:t>
+              <a:t>Affine Decryption and the Modular Inverse</a:t>
             </a:r>
           </a:p>
         </p:txBody>
@@ -9352,7 +9619,7 @@
           <p:cNvPr id="3" name="Content Placeholder 2">
             <a:extLst>
               <a:ext uri="{FF2B5EF4-FFF2-40B4-BE49-F238E27FC236}">
-                <a16:creationId xmlns:a16="http://schemas.microsoft.com/office/drawing/2014/main" id="{355FF732-4B65-47AC-8DAD-7C66AF1E90F5}"/>
+                <a16:creationId xmlns:a16="http://schemas.microsoft.com/office/drawing/2014/main" id="{41AA5DDE-0692-4840-A920-F0B39D4E041A}"/>
               </a:ext>
             </a:extLst>
           </p:cNvPr>
@@ -9370,103 +9637,137 @@
           <a:p>
             <a:r>
               <a:rPr lang="en-US" dirty="0"/>
-              <a:t>When Multiplicative Inverse does not exist, multiplication does not give a unique answer—remember Affine cipher, mod 26</a:t>
+              <a:t>Affine Encrypt:  </a:t>
+            </a:r>
+            <a:r>
+              <a:rPr lang="en-US" dirty="0" err="1"/>
+              <a:t>cipherIndex</a:t>
+            </a:r>
+            <a:r>
+              <a:rPr lang="en-US" dirty="0"/>
+              <a:t> = (A * index + B) mod length</a:t>
+            </a:r>
+          </a:p>
+          <a:p>
+            <a:r>
+              <a:rPr lang="en-US" dirty="0"/>
+              <a:t>Affine Decrypt:  index = (</a:t>
+            </a:r>
+            <a:r>
+              <a:rPr lang="en-US" dirty="0" err="1"/>
+              <a:t>cipherIndex</a:t>
+            </a:r>
+            <a:r>
+              <a:rPr lang="en-US" dirty="0"/>
+              <a:t> – B) / A </a:t>
+            </a:r>
+            <a:r>
+              <a:rPr lang="en-US" dirty="0">
+                <a:highlight>
+                  <a:srgbClr val="FFFF00"/>
+                </a:highlight>
+              </a:rPr>
+              <a:t>????</a:t>
             </a:r>
           </a:p>
           <a:p>
             <a:pPr lvl="1"/>
             <a:r>
               <a:rPr lang="en-US" dirty="0"/>
-              <a:t>Symbols[index]		</a:t>
-            </a:r>
+              <a:t>Division does not work in modular arithmetic</a:t>
+            </a:r>
+          </a:p>
+          <a:p>
+            <a:pPr lvl="1"/>
+            <a:r>
+              <a:rPr lang="en-US" dirty="0"/>
+              <a:t>In modular arithmetic, we multiply by the inverse</a:t>
+            </a:r>
+          </a:p>
+          <a:p>
+            <a:pPr lvl="1"/>
+            <a:r>
+              <a:rPr lang="en-US" dirty="0"/>
+              <a:t>A</a:t>
+            </a:r>
+            <a:r>
+              <a:rPr lang="en-US" baseline="30000" dirty="0"/>
+              <a:t>-1</a:t>
+            </a:r>
+            <a:r>
+              <a:rPr lang="en-US" dirty="0"/>
+              <a:t> * A = 1 mod length</a:t>
+            </a:r>
+          </a:p>
+          <a:p>
+            <a:pPr lvl="1"/>
+            <a:r>
+              <a:rPr lang="en-US" dirty="0"/>
+              <a:t>If A is 3 and length is 26, 9 * 3 mod 26 = 27 mod 26 = 1</a:t>
+            </a:r>
+          </a:p>
+          <a:p>
+            <a:pPr lvl="1"/>
+            <a:r>
+              <a:rPr lang="en-US" dirty="0"/>
+              <a:t>3 and 9 are multiplicative inverses in modulo 26</a:t>
+            </a:r>
+          </a:p>
+          <a:p>
+            <a:pPr lvl="1"/>
             <a:r>
               <a:rPr lang="en-US" dirty="0">
-                <a:latin typeface="Courier New" panose="02070309020205020404" pitchFamily="49" charset="0"/>
-                <a:cs typeface="Courier New" panose="02070309020205020404" pitchFamily="49" charset="0"/>
+                <a:highlight>
+                  <a:srgbClr val="FFFF00"/>
+                </a:highlight>
               </a:rPr>
-              <a:t>ABCDEFGHIJKLMNOPQRSTUVWXYZ</a:t>
-            </a:r>
-          </a:p>
-          <a:p>
-            <a:pPr lvl="1"/>
-            <a:r>
-              <a:rPr lang="en-US" dirty="0"/>
-              <a:t>Symbols[13 * index]	</a:t>
+              <a:t>Index = (</a:t>
+            </a:r>
+            <a:r>
+              <a:rPr lang="en-US" dirty="0" err="1">
+                <a:highlight>
+                  <a:srgbClr val="FFFF00"/>
+                </a:highlight>
+              </a:rPr>
+              <a:t>cipherIndex</a:t>
             </a:r>
             <a:r>
               <a:rPr lang="en-US" dirty="0">
-                <a:latin typeface="Courier New" panose="02070309020205020404" pitchFamily="49" charset="0"/>
-                <a:cs typeface="Courier New" panose="02070309020205020404" pitchFamily="49" charset="0"/>
+                <a:highlight>
+                  <a:srgbClr val="FFFF00"/>
+                </a:highlight>
               </a:rPr>
-              <a:t>ANANANANANANANANANANANANAN</a:t>
-            </a:r>
-          </a:p>
-          <a:p>
-            <a:pPr lvl="1"/>
-            <a:r>
-              <a:rPr lang="en-US" dirty="0"/>
-              <a:t>Symbols[8 * index]	</a:t>
-            </a:r>
-            <a:r>
-              <a:rPr lang="en-US" u="sng" dirty="0">
-                <a:latin typeface="Courier New" panose="02070309020205020404" pitchFamily="49" charset="0"/>
-                <a:cs typeface="Courier New" panose="02070309020205020404" pitchFamily="49" charset="0"/>
+              <a:t> – B) * A</a:t>
+            </a:r>
+            <a:r>
+              <a:rPr lang="en-US" baseline="30000" dirty="0">
+                <a:highlight>
+                  <a:srgbClr val="FFFF00"/>
+                </a:highlight>
               </a:rPr>
-              <a:t>A</a:t>
+              <a:t>-1 </a:t>
             </a:r>
             <a:r>
               <a:rPr lang="en-US" dirty="0">
-                <a:latin typeface="Courier New" panose="02070309020205020404" pitchFamily="49" charset="0"/>
-                <a:cs typeface="Courier New" panose="02070309020205020404" pitchFamily="49" charset="0"/>
+                <a:highlight>
+                  <a:srgbClr val="FFFF00"/>
+                </a:highlight>
               </a:rPr>
-              <a:t>IQYGOWEMUCKS</a:t>
-            </a:r>
-            <a:r>
-              <a:rPr lang="en-US" u="sng" dirty="0">
-                <a:latin typeface="Courier New" panose="02070309020205020404" pitchFamily="49" charset="0"/>
-                <a:cs typeface="Courier New" panose="02070309020205020404" pitchFamily="49" charset="0"/>
-              </a:rPr>
-              <a:t>A</a:t>
-            </a:r>
-            <a:r>
-              <a:rPr lang="en-US" dirty="0">
-                <a:latin typeface="Courier New" panose="02070309020205020404" pitchFamily="49" charset="0"/>
-                <a:cs typeface="Courier New" panose="02070309020205020404" pitchFamily="49" charset="0"/>
-              </a:rPr>
-              <a:t>IQYGOWEMUCKS</a:t>
-            </a:r>
-          </a:p>
-          <a:p>
-            <a:r>
-              <a:rPr lang="en-US" dirty="0"/>
-              <a:t>Some encryption develops ways to work around this</a:t>
-            </a:r>
-          </a:p>
-          <a:p>
-            <a:pPr lvl="1"/>
-            <a:r>
-              <a:rPr lang="en-US" dirty="0"/>
-              <a:t>AES defines new operations to replace multiplication and addition</a:t>
-            </a:r>
-          </a:p>
-          <a:p>
-            <a:pPr lvl="1"/>
-            <a:r>
-              <a:rPr lang="en-US" dirty="0"/>
-              <a:t>Diffie-Hellman excludes numbers that do not have inverse</a:t>
-            </a:r>
-          </a:p>
-          <a:p>
-            <a:r>
-              <a:rPr lang="en-US" dirty="0"/>
-              <a:t>Some encryption makes use of this property</a:t>
-            </a:r>
-          </a:p>
-          <a:p>
-            <a:pPr lvl="1"/>
-            <a:r>
-              <a:rPr lang="en-US" dirty="0"/>
-              <a:t>RSA is based on a modulus that is not prime</a:t>
+              <a:t>mod length</a:t>
+            </a:r>
+          </a:p>
+          <a:p>
+            <a:r>
+              <a:rPr lang="en-US" dirty="0"/>
+              <a:t>For A</a:t>
+            </a:r>
+            <a:r>
+              <a:rPr lang="en-US" baseline="30000" dirty="0"/>
+              <a:t>-1</a:t>
+            </a:r>
+            <a:r>
+              <a:rPr lang="en-US" dirty="0"/>
+              <a:t> mod length to exist, A and length must be relatively prime</a:t>
             </a:r>
           </a:p>
         </p:txBody>
@@ -9474,7 +9775,7 @@
     </p:spTree>
     <p:extLst>
       <p:ext uri="{BB962C8B-B14F-4D97-AF65-F5344CB8AC3E}">
-        <p14:creationId xmlns:p14="http://schemas.microsoft.com/office/powerpoint/2010/main" val="4166968467"/>
+        <p14:creationId xmlns:p14="http://schemas.microsoft.com/office/powerpoint/2010/main" val="3424901659"/>
       </p:ext>
     </p:extLst>
   </p:cSld>
